--- a/tree.pptx
+++ b/tree.pptx
@@ -7,7 +7,8 @@
   <p:sldIdLst>
     <p:sldId id="256" r:id="rId2"/>
     <p:sldId id="257" r:id="rId3"/>
-    <p:sldId id="258" r:id="rId4"/>
+    <p:sldId id="259" r:id="rId4"/>
+    <p:sldId id="258" r:id="rId5"/>
   </p:sldIdLst>
   <p:sldSz cx="12192000" cy="6858000"/>
   <p:notesSz cx="6858000" cy="9144000"/>
@@ -245,7 +246,7 @@
           <a:p>
             <a:fld id="{19131B8A-7352-47DF-A2CF-D5F7F6388700}" type="datetimeFigureOut">
               <a:rPr lang="en-US" smtClean="0"/>
-              <a:t>2/2/2016</a:t>
+              <a:t>4/10/2016</a:t>
             </a:fld>
             <a:endParaRPr lang="en-US"/>
           </a:p>
@@ -415,7 +416,7 @@
           <a:p>
             <a:fld id="{19131B8A-7352-47DF-A2CF-D5F7F6388700}" type="datetimeFigureOut">
               <a:rPr lang="en-US" smtClean="0"/>
-              <a:t>2/2/2016</a:t>
+              <a:t>4/10/2016</a:t>
             </a:fld>
             <a:endParaRPr lang="en-US"/>
           </a:p>
@@ -595,7 +596,7 @@
           <a:p>
             <a:fld id="{19131B8A-7352-47DF-A2CF-D5F7F6388700}" type="datetimeFigureOut">
               <a:rPr lang="en-US" smtClean="0"/>
-              <a:t>2/2/2016</a:t>
+              <a:t>4/10/2016</a:t>
             </a:fld>
             <a:endParaRPr lang="en-US"/>
           </a:p>
@@ -765,7 +766,7 @@
           <a:p>
             <a:fld id="{19131B8A-7352-47DF-A2CF-D5F7F6388700}" type="datetimeFigureOut">
               <a:rPr lang="en-US" smtClean="0"/>
-              <a:t>2/2/2016</a:t>
+              <a:t>4/10/2016</a:t>
             </a:fld>
             <a:endParaRPr lang="en-US"/>
           </a:p>
@@ -1011,7 +1012,7 @@
           <a:p>
             <a:fld id="{19131B8A-7352-47DF-A2CF-D5F7F6388700}" type="datetimeFigureOut">
               <a:rPr lang="en-US" smtClean="0"/>
-              <a:t>2/2/2016</a:t>
+              <a:t>4/10/2016</a:t>
             </a:fld>
             <a:endParaRPr lang="en-US"/>
           </a:p>
@@ -1243,7 +1244,7 @@
           <a:p>
             <a:fld id="{19131B8A-7352-47DF-A2CF-D5F7F6388700}" type="datetimeFigureOut">
               <a:rPr lang="en-US" smtClean="0"/>
-              <a:t>2/2/2016</a:t>
+              <a:t>4/10/2016</a:t>
             </a:fld>
             <a:endParaRPr lang="en-US"/>
           </a:p>
@@ -1610,7 +1611,7 @@
           <a:p>
             <a:fld id="{19131B8A-7352-47DF-A2CF-D5F7F6388700}" type="datetimeFigureOut">
               <a:rPr lang="en-US" smtClean="0"/>
-              <a:t>2/2/2016</a:t>
+              <a:t>4/10/2016</a:t>
             </a:fld>
             <a:endParaRPr lang="en-US"/>
           </a:p>
@@ -1728,7 +1729,7 @@
           <a:p>
             <a:fld id="{19131B8A-7352-47DF-A2CF-D5F7F6388700}" type="datetimeFigureOut">
               <a:rPr lang="en-US" smtClean="0"/>
-              <a:t>2/2/2016</a:t>
+              <a:t>4/10/2016</a:t>
             </a:fld>
             <a:endParaRPr lang="en-US"/>
           </a:p>
@@ -1823,7 +1824,7 @@
           <a:p>
             <a:fld id="{19131B8A-7352-47DF-A2CF-D5F7F6388700}" type="datetimeFigureOut">
               <a:rPr lang="en-US" smtClean="0"/>
-              <a:t>2/2/2016</a:t>
+              <a:t>4/10/2016</a:t>
             </a:fld>
             <a:endParaRPr lang="en-US"/>
           </a:p>
@@ -2100,7 +2101,7 @@
           <a:p>
             <a:fld id="{19131B8A-7352-47DF-A2CF-D5F7F6388700}" type="datetimeFigureOut">
               <a:rPr lang="en-US" smtClean="0"/>
-              <a:t>2/2/2016</a:t>
+              <a:t>4/10/2016</a:t>
             </a:fld>
             <a:endParaRPr lang="en-US"/>
           </a:p>
@@ -2353,7 +2354,7 @@
           <a:p>
             <a:fld id="{19131B8A-7352-47DF-A2CF-D5F7F6388700}" type="datetimeFigureOut">
               <a:rPr lang="en-US" smtClean="0"/>
-              <a:t>2/2/2016</a:t>
+              <a:t>4/10/2016</a:t>
             </a:fld>
             <a:endParaRPr lang="en-US"/>
           </a:p>
@@ -2566,7 +2567,7 @@
           <a:p>
             <a:fld id="{19131B8A-7352-47DF-A2CF-D5F7F6388700}" type="datetimeFigureOut">
               <a:rPr lang="en-US" smtClean="0"/>
-              <a:t>2/2/2016</a:t>
+              <a:t>4/10/2016</a:t>
             </a:fld>
             <a:endParaRPr lang="en-US"/>
           </a:p>
@@ -5074,6 +5075,3748 @@
           <a:chExt cx="0" cy="0"/>
         </a:xfrm>
       </p:grpSpPr>
+      <p:sp>
+        <p:nvSpPr>
+          <p:cNvPr id="4" name="Rounded Rectangle 3"/>
+          <p:cNvSpPr/>
+          <p:nvPr/>
+        </p:nvSpPr>
+        <p:spPr>
+          <a:xfrm>
+            <a:off x="4724415" y="320074"/>
+            <a:ext cx="2194560" cy="548640"/>
+          </a:xfrm>
+          <a:prstGeom prst="roundRect">
+            <a:avLst/>
+          </a:prstGeom>
+          <a:solidFill>
+            <a:schemeClr val="accent4">
+              <a:lumMod val="40000"/>
+              <a:lumOff val="60000"/>
+            </a:schemeClr>
+          </a:solidFill>
+          <a:ln>
+            <a:solidFill>
+              <a:schemeClr val="tx1"/>
+            </a:solidFill>
+          </a:ln>
+        </p:spPr>
+        <p:style>
+          <a:lnRef idx="2">
+            <a:schemeClr val="accent1">
+              <a:shade val="50000"/>
+            </a:schemeClr>
+          </a:lnRef>
+          <a:fillRef idx="1">
+            <a:schemeClr val="accent1"/>
+          </a:fillRef>
+          <a:effectRef idx="0">
+            <a:schemeClr val="accent1"/>
+          </a:effectRef>
+          <a:fontRef idx="minor">
+            <a:schemeClr val="lt1"/>
+          </a:fontRef>
+        </p:style>
+        <p:txBody>
+          <a:bodyPr rtlCol="0" anchor="ctr"/>
+          <a:lstStyle/>
+          <a:p>
+            <a:pPr algn="ctr"/>
+            <a:r>
+              <a:rPr lang="en-US" dirty="0" smtClean="0">
+                <a:solidFill>
+                  <a:sysClr val="windowText" lastClr="000000"/>
+                </a:solidFill>
+              </a:rPr>
+              <a:t>Partial Graph</a:t>
+            </a:r>
+          </a:p>
+          <a:p>
+            <a:pPr algn="ctr"/>
+            <a:r>
+              <a:rPr lang="en-US" dirty="0" smtClean="0">
+                <a:solidFill>
+                  <a:sysClr val="windowText" lastClr="000000"/>
+                </a:solidFill>
+              </a:rPr>
+              <a:t>Authorities</a:t>
+            </a:r>
+            <a:endParaRPr lang="en-US" dirty="0">
+              <a:solidFill>
+                <a:sysClr val="windowText" lastClr="000000"/>
+              </a:solidFill>
+            </a:endParaRPr>
+          </a:p>
+        </p:txBody>
+      </p:sp>
+      <p:sp>
+        <p:nvSpPr>
+          <p:cNvPr id="6" name="Rounded Rectangle 5"/>
+          <p:cNvSpPr/>
+          <p:nvPr/>
+        </p:nvSpPr>
+        <p:spPr>
+          <a:xfrm>
+            <a:off x="2987074" y="1417342"/>
+            <a:ext cx="2194560" cy="548640"/>
+          </a:xfrm>
+          <a:prstGeom prst="roundRect">
+            <a:avLst/>
+          </a:prstGeom>
+          <a:solidFill>
+            <a:schemeClr val="accent4">
+              <a:lumMod val="40000"/>
+              <a:lumOff val="60000"/>
+            </a:schemeClr>
+          </a:solidFill>
+          <a:ln>
+            <a:solidFill>
+              <a:schemeClr val="tx1"/>
+            </a:solidFill>
+          </a:ln>
+        </p:spPr>
+        <p:style>
+          <a:lnRef idx="2">
+            <a:schemeClr val="accent1">
+              <a:shade val="50000"/>
+            </a:schemeClr>
+          </a:lnRef>
+          <a:fillRef idx="1">
+            <a:schemeClr val="accent1"/>
+          </a:fillRef>
+          <a:effectRef idx="0">
+            <a:schemeClr val="accent1"/>
+          </a:effectRef>
+          <a:fontRef idx="minor">
+            <a:schemeClr val="lt1"/>
+          </a:fontRef>
+        </p:style>
+        <p:txBody>
+          <a:bodyPr rtlCol="0" anchor="ctr"/>
+          <a:lstStyle/>
+          <a:p>
+            <a:pPr algn="ctr"/>
+            <a:r>
+              <a:rPr lang="en-US" dirty="0" smtClean="0">
+                <a:solidFill>
+                  <a:sysClr val="windowText" lastClr="000000"/>
+                </a:solidFill>
+              </a:rPr>
+              <a:t>Percentage of emails sent after hours</a:t>
+            </a:r>
+            <a:endParaRPr lang="en-US" dirty="0">
+              <a:solidFill>
+                <a:sysClr val="windowText" lastClr="000000"/>
+              </a:solidFill>
+            </a:endParaRPr>
+          </a:p>
+        </p:txBody>
+      </p:sp>
+      <p:sp>
+        <p:nvSpPr>
+          <p:cNvPr id="8" name="Rounded Rectangle 7"/>
+          <p:cNvSpPr/>
+          <p:nvPr/>
+        </p:nvSpPr>
+        <p:spPr>
+          <a:xfrm>
+            <a:off x="6461732" y="1417342"/>
+            <a:ext cx="2194560" cy="548640"/>
+          </a:xfrm>
+          <a:prstGeom prst="roundRect">
+            <a:avLst/>
+          </a:prstGeom>
+          <a:solidFill>
+            <a:schemeClr val="accent4">
+              <a:lumMod val="40000"/>
+              <a:lumOff val="60000"/>
+            </a:schemeClr>
+          </a:solidFill>
+          <a:ln>
+            <a:solidFill>
+              <a:schemeClr val="tx1"/>
+            </a:solidFill>
+          </a:ln>
+        </p:spPr>
+        <p:style>
+          <a:lnRef idx="2">
+            <a:schemeClr val="accent1">
+              <a:shade val="50000"/>
+            </a:schemeClr>
+          </a:lnRef>
+          <a:fillRef idx="1">
+            <a:schemeClr val="accent1"/>
+          </a:fillRef>
+          <a:effectRef idx="0">
+            <a:schemeClr val="accent1"/>
+          </a:effectRef>
+          <a:fontRef idx="minor">
+            <a:schemeClr val="lt1"/>
+          </a:fontRef>
+        </p:style>
+        <p:txBody>
+          <a:bodyPr rtlCol="0" anchor="ctr"/>
+          <a:lstStyle/>
+          <a:p>
+            <a:pPr algn="ctr"/>
+            <a:r>
+              <a:rPr lang="en-US" dirty="0" smtClean="0">
+                <a:solidFill>
+                  <a:sysClr val="windowText" lastClr="000000"/>
+                </a:solidFill>
+              </a:rPr>
+              <a:t>Sent Forward Percentage</a:t>
+            </a:r>
+            <a:endParaRPr lang="en-US" dirty="0">
+              <a:solidFill>
+                <a:sysClr val="windowText" lastClr="000000"/>
+              </a:solidFill>
+            </a:endParaRPr>
+          </a:p>
+        </p:txBody>
+      </p:sp>
+      <p:sp>
+        <p:nvSpPr>
+          <p:cNvPr id="9" name="Rounded Rectangle 8"/>
+          <p:cNvSpPr/>
+          <p:nvPr/>
+        </p:nvSpPr>
+        <p:spPr>
+          <a:xfrm>
+            <a:off x="1249709" y="2514610"/>
+            <a:ext cx="2194560" cy="548640"/>
+          </a:xfrm>
+          <a:prstGeom prst="roundRect">
+            <a:avLst/>
+          </a:prstGeom>
+          <a:solidFill>
+            <a:schemeClr val="accent4">
+              <a:lumMod val="40000"/>
+              <a:lumOff val="60000"/>
+            </a:schemeClr>
+          </a:solidFill>
+          <a:ln>
+            <a:solidFill>
+              <a:schemeClr val="tx1"/>
+            </a:solidFill>
+          </a:ln>
+        </p:spPr>
+        <p:style>
+          <a:lnRef idx="2">
+            <a:schemeClr val="accent1">
+              <a:shade val="50000"/>
+            </a:schemeClr>
+          </a:lnRef>
+          <a:fillRef idx="1">
+            <a:schemeClr val="accent1"/>
+          </a:fillRef>
+          <a:effectRef idx="0">
+            <a:schemeClr val="accent1"/>
+          </a:effectRef>
+          <a:fontRef idx="minor">
+            <a:schemeClr val="lt1"/>
+          </a:fontRef>
+        </p:style>
+        <p:txBody>
+          <a:bodyPr rtlCol="0" anchor="ctr"/>
+          <a:lstStyle/>
+          <a:p>
+            <a:pPr algn="ctr"/>
+            <a:r>
+              <a:rPr lang="en-US" dirty="0" smtClean="0">
+                <a:solidFill>
+                  <a:sysClr val="windowText" lastClr="000000"/>
+                </a:solidFill>
+              </a:rPr>
+              <a:t>Unique Subjects Received</a:t>
+            </a:r>
+            <a:endParaRPr lang="en-US" dirty="0">
+              <a:solidFill>
+                <a:sysClr val="windowText" lastClr="000000"/>
+              </a:solidFill>
+            </a:endParaRPr>
+          </a:p>
+        </p:txBody>
+      </p:sp>
+      <p:sp>
+        <p:nvSpPr>
+          <p:cNvPr id="10" name="Rounded Rectangle 9"/>
+          <p:cNvSpPr/>
+          <p:nvPr/>
+        </p:nvSpPr>
+        <p:spPr>
+          <a:xfrm>
+            <a:off x="3992879" y="2514610"/>
+            <a:ext cx="2194560" cy="548640"/>
+          </a:xfrm>
+          <a:prstGeom prst="roundRect">
+            <a:avLst/>
+          </a:prstGeom>
+          <a:solidFill>
+            <a:schemeClr val="accent4">
+              <a:lumMod val="40000"/>
+              <a:lumOff val="60000"/>
+            </a:schemeClr>
+          </a:solidFill>
+          <a:ln>
+            <a:solidFill>
+              <a:schemeClr val="tx1"/>
+            </a:solidFill>
+          </a:ln>
+        </p:spPr>
+        <p:style>
+          <a:lnRef idx="2">
+            <a:schemeClr val="accent1">
+              <a:shade val="50000"/>
+            </a:schemeClr>
+          </a:lnRef>
+          <a:fillRef idx="1">
+            <a:schemeClr val="accent1"/>
+          </a:fillRef>
+          <a:effectRef idx="0">
+            <a:schemeClr val="accent1"/>
+          </a:effectRef>
+          <a:fontRef idx="minor">
+            <a:schemeClr val="lt1"/>
+          </a:fontRef>
+        </p:style>
+        <p:txBody>
+          <a:bodyPr rtlCol="0" anchor="ctr"/>
+          <a:lstStyle/>
+          <a:p>
+            <a:pPr algn="ctr"/>
+            <a:r>
+              <a:rPr lang="en-US" dirty="0" smtClean="0">
+                <a:solidFill>
+                  <a:sysClr val="windowText" lastClr="000000"/>
+                </a:solidFill>
+              </a:rPr>
+              <a:t>Average Emails </a:t>
+            </a:r>
+          </a:p>
+          <a:p>
+            <a:pPr algn="ctr"/>
+            <a:r>
+              <a:rPr lang="en-US" dirty="0" smtClean="0">
+                <a:solidFill>
+                  <a:sysClr val="windowText" lastClr="000000"/>
+                </a:solidFill>
+              </a:rPr>
+              <a:t>Per Day</a:t>
+            </a:r>
+            <a:endParaRPr lang="en-US" dirty="0">
+              <a:solidFill>
+                <a:sysClr val="windowText" lastClr="000000"/>
+              </a:solidFill>
+            </a:endParaRPr>
+          </a:p>
+        </p:txBody>
+      </p:sp>
+      <p:sp>
+        <p:nvSpPr>
+          <p:cNvPr id="11" name="Rounded Rectangle 10"/>
+          <p:cNvSpPr/>
+          <p:nvPr/>
+        </p:nvSpPr>
+        <p:spPr>
+          <a:xfrm>
+            <a:off x="6428501" y="2505934"/>
+            <a:ext cx="2194560" cy="548640"/>
+          </a:xfrm>
+          <a:prstGeom prst="roundRect">
+            <a:avLst/>
+          </a:prstGeom>
+          <a:solidFill>
+            <a:schemeClr val="accent4">
+              <a:lumMod val="40000"/>
+              <a:lumOff val="60000"/>
+            </a:schemeClr>
+          </a:solidFill>
+          <a:ln>
+            <a:solidFill>
+              <a:schemeClr val="tx1"/>
+            </a:solidFill>
+          </a:ln>
+        </p:spPr>
+        <p:style>
+          <a:lnRef idx="2">
+            <a:schemeClr val="accent1">
+              <a:shade val="50000"/>
+            </a:schemeClr>
+          </a:lnRef>
+          <a:fillRef idx="1">
+            <a:schemeClr val="accent1"/>
+          </a:fillRef>
+          <a:effectRef idx="0">
+            <a:schemeClr val="accent1"/>
+          </a:effectRef>
+          <a:fontRef idx="minor">
+            <a:schemeClr val="lt1"/>
+          </a:fontRef>
+        </p:style>
+        <p:txBody>
+          <a:bodyPr rtlCol="0" anchor="ctr"/>
+          <a:lstStyle/>
+          <a:p>
+            <a:pPr algn="ctr"/>
+            <a:r>
+              <a:rPr lang="en-US" dirty="0" smtClean="0">
+                <a:solidFill>
+                  <a:sysClr val="windowText" lastClr="000000"/>
+                </a:solidFill>
+              </a:rPr>
+              <a:t>Full Graph Hubs</a:t>
+            </a:r>
+            <a:endParaRPr lang="en-US" dirty="0">
+              <a:solidFill>
+                <a:sysClr val="windowText" lastClr="000000"/>
+              </a:solidFill>
+            </a:endParaRPr>
+          </a:p>
+        </p:txBody>
+      </p:sp>
+      <p:sp>
+        <p:nvSpPr>
+          <p:cNvPr id="12" name="Rounded Rectangle 11"/>
+          <p:cNvSpPr/>
+          <p:nvPr/>
+        </p:nvSpPr>
+        <p:spPr>
+          <a:xfrm>
+            <a:off x="8930609" y="2514610"/>
+            <a:ext cx="2194560" cy="548640"/>
+          </a:xfrm>
+          <a:prstGeom prst="roundRect">
+            <a:avLst/>
+          </a:prstGeom>
+          <a:solidFill>
+            <a:schemeClr val="accent4">
+              <a:lumMod val="40000"/>
+              <a:lumOff val="60000"/>
+            </a:schemeClr>
+          </a:solidFill>
+          <a:ln>
+            <a:solidFill>
+              <a:schemeClr val="tx1"/>
+            </a:solidFill>
+          </a:ln>
+        </p:spPr>
+        <p:style>
+          <a:lnRef idx="2">
+            <a:schemeClr val="accent1">
+              <a:shade val="50000"/>
+            </a:schemeClr>
+          </a:lnRef>
+          <a:fillRef idx="1">
+            <a:schemeClr val="accent1"/>
+          </a:fillRef>
+          <a:effectRef idx="0">
+            <a:schemeClr val="accent1"/>
+          </a:effectRef>
+          <a:fontRef idx="minor">
+            <a:schemeClr val="lt1"/>
+          </a:fontRef>
+        </p:style>
+        <p:txBody>
+          <a:bodyPr rtlCol="0" anchor="ctr"/>
+          <a:lstStyle/>
+          <a:p>
+            <a:pPr algn="ctr"/>
+            <a:r>
+              <a:rPr lang="en-US" dirty="0" smtClean="0">
+                <a:solidFill>
+                  <a:sysClr val="windowText" lastClr="000000"/>
+                </a:solidFill>
+              </a:rPr>
+              <a:t>Unique Addresses Sent</a:t>
+            </a:r>
+            <a:endParaRPr lang="en-US" dirty="0">
+              <a:solidFill>
+                <a:sysClr val="windowText" lastClr="000000"/>
+              </a:solidFill>
+            </a:endParaRPr>
+          </a:p>
+        </p:txBody>
+      </p:sp>
+      <p:sp>
+        <p:nvSpPr>
+          <p:cNvPr id="13" name="Rectangle 12"/>
+          <p:cNvSpPr/>
+          <p:nvPr/>
+        </p:nvSpPr>
+        <p:spPr>
+          <a:xfrm>
+            <a:off x="551557" y="3611883"/>
+            <a:ext cx="1097280" cy="914400"/>
+          </a:xfrm>
+          <a:prstGeom prst="rect">
+            <a:avLst/>
+          </a:prstGeom>
+          <a:solidFill>
+            <a:srgbClr val="7030A0"/>
+          </a:solidFill>
+          <a:ln>
+            <a:solidFill>
+              <a:schemeClr val="tx1"/>
+            </a:solidFill>
+          </a:ln>
+        </p:spPr>
+        <p:style>
+          <a:lnRef idx="2">
+            <a:schemeClr val="accent1">
+              <a:shade val="50000"/>
+            </a:schemeClr>
+          </a:lnRef>
+          <a:fillRef idx="1">
+            <a:schemeClr val="accent1"/>
+          </a:fillRef>
+          <a:effectRef idx="0">
+            <a:schemeClr val="accent1"/>
+          </a:effectRef>
+          <a:fontRef idx="minor">
+            <a:schemeClr val="lt1"/>
+          </a:fontRef>
+        </p:style>
+        <p:txBody>
+          <a:bodyPr rtlCol="0" anchor="t"/>
+          <a:lstStyle/>
+          <a:p>
+            <a:r>
+              <a:rPr lang="en-US" dirty="0" smtClean="0">
+                <a:solidFill>
+                  <a:schemeClr val="bg1"/>
+                </a:solidFill>
+              </a:rPr>
+              <a:t>Research</a:t>
+            </a:r>
+          </a:p>
+          <a:p>
+            <a:r>
+              <a:rPr lang="en-US" dirty="0" smtClean="0">
+                <a:solidFill>
+                  <a:schemeClr val="bg1"/>
+                </a:solidFill>
+              </a:rPr>
+              <a:t>Total: 1</a:t>
+            </a:r>
+          </a:p>
+          <a:p>
+            <a:r>
+              <a:rPr lang="en-US" dirty="0" smtClean="0">
+                <a:solidFill>
+                  <a:schemeClr val="bg1"/>
+                </a:solidFill>
+              </a:rPr>
+              <a:t>Errors: 0</a:t>
+            </a:r>
+            <a:endParaRPr lang="en-US" dirty="0">
+              <a:solidFill>
+                <a:schemeClr val="bg1"/>
+              </a:solidFill>
+            </a:endParaRPr>
+          </a:p>
+        </p:txBody>
+      </p:sp>
+      <p:sp>
+        <p:nvSpPr>
+          <p:cNvPr id="15" name="Rectangle 14"/>
+          <p:cNvSpPr/>
+          <p:nvPr/>
+        </p:nvSpPr>
+        <p:spPr>
+          <a:xfrm>
+            <a:off x="1878723" y="3611883"/>
+            <a:ext cx="1097280" cy="914400"/>
+          </a:xfrm>
+          <a:prstGeom prst="rect">
+            <a:avLst/>
+          </a:prstGeom>
+          <a:solidFill>
+            <a:srgbClr val="7030A0"/>
+          </a:solidFill>
+          <a:ln>
+            <a:solidFill>
+              <a:schemeClr val="tx1"/>
+            </a:solidFill>
+          </a:ln>
+        </p:spPr>
+        <p:style>
+          <a:lnRef idx="2">
+            <a:schemeClr val="accent1">
+              <a:shade val="50000"/>
+            </a:schemeClr>
+          </a:lnRef>
+          <a:fillRef idx="1">
+            <a:schemeClr val="accent1"/>
+          </a:fillRef>
+          <a:effectRef idx="0">
+            <a:schemeClr val="accent1"/>
+          </a:effectRef>
+          <a:fontRef idx="minor">
+            <a:schemeClr val="lt1"/>
+          </a:fontRef>
+        </p:style>
+        <p:txBody>
+          <a:bodyPr rtlCol="0" anchor="t"/>
+          <a:lstStyle/>
+          <a:p>
+            <a:r>
+              <a:rPr lang="en-US" dirty="0" smtClean="0">
+                <a:solidFill>
+                  <a:schemeClr val="bg1"/>
+                </a:solidFill>
+              </a:rPr>
+              <a:t>Director</a:t>
+            </a:r>
+          </a:p>
+          <a:p>
+            <a:r>
+              <a:rPr lang="en-US" dirty="0" smtClean="0">
+                <a:solidFill>
+                  <a:schemeClr val="bg1"/>
+                </a:solidFill>
+              </a:rPr>
+              <a:t>Total: 2</a:t>
+            </a:r>
+          </a:p>
+          <a:p>
+            <a:r>
+              <a:rPr lang="en-US" dirty="0" smtClean="0">
+                <a:solidFill>
+                  <a:schemeClr val="bg1"/>
+                </a:solidFill>
+              </a:rPr>
+              <a:t>Errors: 1</a:t>
+            </a:r>
+            <a:endParaRPr lang="en-US" dirty="0">
+              <a:solidFill>
+                <a:schemeClr val="bg1"/>
+              </a:solidFill>
+            </a:endParaRPr>
+          </a:p>
+        </p:txBody>
+      </p:sp>
+      <p:sp>
+        <p:nvSpPr>
+          <p:cNvPr id="16" name="Rectangle 15"/>
+          <p:cNvSpPr/>
+          <p:nvPr/>
+        </p:nvSpPr>
+        <p:spPr>
+          <a:xfrm>
+            <a:off x="3250304" y="3611878"/>
+            <a:ext cx="1463040" cy="914400"/>
+          </a:xfrm>
+          <a:prstGeom prst="rect">
+            <a:avLst/>
+          </a:prstGeom>
+          <a:solidFill>
+            <a:srgbClr val="7030A0"/>
+          </a:solidFill>
+          <a:ln>
+            <a:solidFill>
+              <a:schemeClr val="tx1"/>
+            </a:solidFill>
+          </a:ln>
+        </p:spPr>
+        <p:style>
+          <a:lnRef idx="2">
+            <a:schemeClr val="accent1">
+              <a:shade val="50000"/>
+            </a:schemeClr>
+          </a:lnRef>
+          <a:fillRef idx="1">
+            <a:schemeClr val="accent1"/>
+          </a:fillRef>
+          <a:effectRef idx="0">
+            <a:schemeClr val="accent1"/>
+          </a:effectRef>
+          <a:fontRef idx="minor">
+            <a:schemeClr val="lt1"/>
+          </a:fontRef>
+        </p:style>
+        <p:txBody>
+          <a:bodyPr rtlCol="0" anchor="t"/>
+          <a:lstStyle/>
+          <a:p>
+            <a:r>
+              <a:rPr lang="en-US" dirty="0" err="1" smtClean="0">
+                <a:solidFill>
+                  <a:schemeClr val="bg1"/>
+                </a:solidFill>
+              </a:rPr>
+              <a:t>GradStudent</a:t>
+            </a:r>
+            <a:endParaRPr lang="en-US" dirty="0" smtClean="0">
+              <a:solidFill>
+                <a:schemeClr val="bg1"/>
+              </a:solidFill>
+            </a:endParaRPr>
+          </a:p>
+          <a:p>
+            <a:r>
+              <a:rPr lang="en-US" dirty="0" smtClean="0">
+                <a:solidFill>
+                  <a:schemeClr val="bg1"/>
+                </a:solidFill>
+              </a:rPr>
+              <a:t>Total: 21</a:t>
+            </a:r>
+          </a:p>
+          <a:p>
+            <a:r>
+              <a:rPr lang="en-US" dirty="0" smtClean="0">
+                <a:solidFill>
+                  <a:schemeClr val="bg1"/>
+                </a:solidFill>
+              </a:rPr>
+              <a:t>Errors: 1</a:t>
+            </a:r>
+            <a:endParaRPr lang="en-US" dirty="0">
+              <a:solidFill>
+                <a:schemeClr val="bg1"/>
+              </a:solidFill>
+            </a:endParaRPr>
+          </a:p>
+        </p:txBody>
+      </p:sp>
+      <p:sp>
+        <p:nvSpPr>
+          <p:cNvPr id="17" name="Rectangle 16"/>
+          <p:cNvSpPr/>
+          <p:nvPr/>
+        </p:nvSpPr>
+        <p:spPr>
+          <a:xfrm>
+            <a:off x="6724988" y="3611874"/>
+            <a:ext cx="1280160" cy="914400"/>
+          </a:xfrm>
+          <a:prstGeom prst="rect">
+            <a:avLst/>
+          </a:prstGeom>
+          <a:solidFill>
+            <a:srgbClr val="7030A0"/>
+          </a:solidFill>
+          <a:ln>
+            <a:solidFill>
+              <a:schemeClr val="tx1"/>
+            </a:solidFill>
+          </a:ln>
+        </p:spPr>
+        <p:style>
+          <a:lnRef idx="2">
+            <a:schemeClr val="accent1">
+              <a:shade val="50000"/>
+            </a:schemeClr>
+          </a:lnRef>
+          <a:fillRef idx="1">
+            <a:schemeClr val="accent1"/>
+          </a:fillRef>
+          <a:effectRef idx="0">
+            <a:schemeClr val="accent1"/>
+          </a:effectRef>
+          <a:fontRef idx="minor">
+            <a:schemeClr val="lt1"/>
+          </a:fontRef>
+        </p:style>
+        <p:txBody>
+          <a:bodyPr rtlCol="0" anchor="t"/>
+          <a:lstStyle/>
+          <a:p>
+            <a:r>
+              <a:rPr lang="en-US" dirty="0" smtClean="0">
+                <a:solidFill>
+                  <a:schemeClr val="bg1"/>
+                </a:solidFill>
+              </a:rPr>
+              <a:t>Research</a:t>
+            </a:r>
+          </a:p>
+          <a:p>
+            <a:r>
+              <a:rPr lang="en-US" dirty="0" smtClean="0">
+                <a:solidFill>
+                  <a:schemeClr val="bg1"/>
+                </a:solidFill>
+              </a:rPr>
+              <a:t>Total: 17</a:t>
+            </a:r>
+          </a:p>
+          <a:p>
+            <a:r>
+              <a:rPr lang="en-US" dirty="0" smtClean="0">
+                <a:solidFill>
+                  <a:schemeClr val="bg1"/>
+                </a:solidFill>
+              </a:rPr>
+              <a:t>Errors: 7</a:t>
+            </a:r>
+            <a:endParaRPr lang="en-US" dirty="0">
+              <a:solidFill>
+                <a:schemeClr val="bg1"/>
+              </a:solidFill>
+            </a:endParaRPr>
+          </a:p>
+        </p:txBody>
+      </p:sp>
+      <p:sp>
+        <p:nvSpPr>
+          <p:cNvPr id="19" name="Rectangle 18"/>
+          <p:cNvSpPr/>
+          <p:nvPr/>
+        </p:nvSpPr>
+        <p:spPr>
+          <a:xfrm>
+            <a:off x="8290524" y="3611874"/>
+            <a:ext cx="1097280" cy="914400"/>
+          </a:xfrm>
+          <a:prstGeom prst="rect">
+            <a:avLst/>
+          </a:prstGeom>
+          <a:solidFill>
+            <a:srgbClr val="7030A0"/>
+          </a:solidFill>
+          <a:ln>
+            <a:solidFill>
+              <a:schemeClr val="tx1"/>
+            </a:solidFill>
+          </a:ln>
+        </p:spPr>
+        <p:style>
+          <a:lnRef idx="2">
+            <a:schemeClr val="accent1">
+              <a:shade val="50000"/>
+            </a:schemeClr>
+          </a:lnRef>
+          <a:fillRef idx="1">
+            <a:schemeClr val="accent1"/>
+          </a:fillRef>
+          <a:effectRef idx="0">
+            <a:schemeClr val="accent1"/>
+          </a:effectRef>
+          <a:fontRef idx="minor">
+            <a:schemeClr val="lt1"/>
+          </a:fontRef>
+        </p:style>
+        <p:txBody>
+          <a:bodyPr rtlCol="0" anchor="t"/>
+          <a:lstStyle/>
+          <a:p>
+            <a:r>
+              <a:rPr lang="en-US" dirty="0" smtClean="0">
+                <a:solidFill>
+                  <a:schemeClr val="bg1"/>
+                </a:solidFill>
+              </a:rPr>
+              <a:t>Director</a:t>
+            </a:r>
+          </a:p>
+          <a:p>
+            <a:r>
+              <a:rPr lang="en-US" dirty="0" smtClean="0">
+                <a:solidFill>
+                  <a:schemeClr val="bg1"/>
+                </a:solidFill>
+              </a:rPr>
+              <a:t>Total: 3</a:t>
+            </a:r>
+          </a:p>
+          <a:p>
+            <a:r>
+              <a:rPr lang="en-US" dirty="0" smtClean="0">
+                <a:solidFill>
+                  <a:schemeClr val="bg1"/>
+                </a:solidFill>
+              </a:rPr>
+              <a:t>Errors: 0</a:t>
+            </a:r>
+            <a:endParaRPr lang="en-US" dirty="0">
+              <a:solidFill>
+                <a:schemeClr val="bg1"/>
+              </a:solidFill>
+            </a:endParaRPr>
+          </a:p>
+        </p:txBody>
+      </p:sp>
+      <p:sp>
+        <p:nvSpPr>
+          <p:cNvPr id="20" name="Rectangle 19"/>
+          <p:cNvSpPr/>
+          <p:nvPr/>
+        </p:nvSpPr>
+        <p:spPr>
+          <a:xfrm>
+            <a:off x="10957583" y="3611878"/>
+            <a:ext cx="1097280" cy="914400"/>
+          </a:xfrm>
+          <a:prstGeom prst="rect">
+            <a:avLst/>
+          </a:prstGeom>
+          <a:solidFill>
+            <a:srgbClr val="7030A0"/>
+          </a:solidFill>
+          <a:ln>
+            <a:solidFill>
+              <a:schemeClr val="tx1"/>
+            </a:solidFill>
+          </a:ln>
+        </p:spPr>
+        <p:style>
+          <a:lnRef idx="2">
+            <a:schemeClr val="accent1">
+              <a:shade val="50000"/>
+            </a:schemeClr>
+          </a:lnRef>
+          <a:fillRef idx="1">
+            <a:schemeClr val="accent1"/>
+          </a:fillRef>
+          <a:effectRef idx="0">
+            <a:schemeClr val="accent1"/>
+          </a:effectRef>
+          <a:fontRef idx="minor">
+            <a:schemeClr val="lt1"/>
+          </a:fontRef>
+        </p:style>
+        <p:txBody>
+          <a:bodyPr rtlCol="0" anchor="t"/>
+          <a:lstStyle/>
+          <a:p>
+            <a:r>
+              <a:rPr lang="en-US" dirty="0" smtClean="0">
+                <a:solidFill>
+                  <a:schemeClr val="bg1"/>
+                </a:solidFill>
+              </a:rPr>
+              <a:t>PM</a:t>
+            </a:r>
+          </a:p>
+          <a:p>
+            <a:r>
+              <a:rPr lang="en-US" dirty="0" smtClean="0">
+                <a:solidFill>
+                  <a:schemeClr val="bg1"/>
+                </a:solidFill>
+              </a:rPr>
+              <a:t>Total: 6</a:t>
+            </a:r>
+          </a:p>
+          <a:p>
+            <a:r>
+              <a:rPr lang="en-US" dirty="0" smtClean="0">
+                <a:solidFill>
+                  <a:schemeClr val="bg1"/>
+                </a:solidFill>
+              </a:rPr>
+              <a:t>Errors: 2 </a:t>
+            </a:r>
+            <a:endParaRPr lang="en-US" dirty="0">
+              <a:solidFill>
+                <a:schemeClr val="bg1"/>
+              </a:solidFill>
+            </a:endParaRPr>
+          </a:p>
+        </p:txBody>
+      </p:sp>
+      <p:sp>
+        <p:nvSpPr>
+          <p:cNvPr id="21" name="Rectangle 20"/>
+          <p:cNvSpPr/>
+          <p:nvPr/>
+        </p:nvSpPr>
+        <p:spPr>
+          <a:xfrm>
+            <a:off x="4987645" y="3611874"/>
+            <a:ext cx="1463040" cy="914400"/>
+          </a:xfrm>
+          <a:prstGeom prst="rect">
+            <a:avLst/>
+          </a:prstGeom>
+          <a:solidFill>
+            <a:srgbClr val="7030A0"/>
+          </a:solidFill>
+          <a:ln>
+            <a:solidFill>
+              <a:schemeClr val="tx1"/>
+            </a:solidFill>
+          </a:ln>
+        </p:spPr>
+        <p:style>
+          <a:lnRef idx="2">
+            <a:schemeClr val="accent1">
+              <a:shade val="50000"/>
+            </a:schemeClr>
+          </a:lnRef>
+          <a:fillRef idx="1">
+            <a:schemeClr val="accent1"/>
+          </a:fillRef>
+          <a:effectRef idx="0">
+            <a:schemeClr val="accent1"/>
+          </a:effectRef>
+          <a:fontRef idx="minor">
+            <a:schemeClr val="lt1"/>
+          </a:fontRef>
+        </p:style>
+        <p:txBody>
+          <a:bodyPr rtlCol="0" anchor="t"/>
+          <a:lstStyle/>
+          <a:p>
+            <a:r>
+              <a:rPr lang="en-US" dirty="0" err="1" smtClean="0">
+                <a:solidFill>
+                  <a:schemeClr val="bg1"/>
+                </a:solidFill>
+              </a:rPr>
+              <a:t>GradStudent</a:t>
+            </a:r>
+            <a:endParaRPr lang="en-US" dirty="0" smtClean="0">
+              <a:solidFill>
+                <a:schemeClr val="bg1"/>
+              </a:solidFill>
+            </a:endParaRPr>
+          </a:p>
+          <a:p>
+            <a:r>
+              <a:rPr lang="en-US" dirty="0" smtClean="0">
+                <a:solidFill>
+                  <a:schemeClr val="bg1"/>
+                </a:solidFill>
+              </a:rPr>
+              <a:t>Total: 17</a:t>
+            </a:r>
+          </a:p>
+          <a:p>
+            <a:r>
+              <a:rPr lang="en-US" dirty="0" smtClean="0">
+                <a:solidFill>
+                  <a:schemeClr val="bg1"/>
+                </a:solidFill>
+              </a:rPr>
+              <a:t>Errors: 6</a:t>
+            </a:r>
+            <a:endParaRPr lang="en-US" dirty="0">
+              <a:solidFill>
+                <a:schemeClr val="bg1"/>
+              </a:solidFill>
+            </a:endParaRPr>
+          </a:p>
+        </p:txBody>
+      </p:sp>
+      <p:cxnSp>
+        <p:nvCxnSpPr>
+          <p:cNvPr id="23" name="Straight Connector 22"/>
+          <p:cNvCxnSpPr/>
+          <p:nvPr/>
+        </p:nvCxnSpPr>
+        <p:spPr>
+          <a:xfrm flipH="1">
+            <a:off x="4084350" y="868700"/>
+            <a:ext cx="1463040" cy="548640"/>
+          </a:xfrm>
+          <a:prstGeom prst="line">
+            <a:avLst/>
+          </a:prstGeom>
+          <a:ln w="12700">
+            <a:solidFill>
+              <a:schemeClr val="tx1"/>
+            </a:solidFill>
+          </a:ln>
+        </p:spPr>
+        <p:style>
+          <a:lnRef idx="1">
+            <a:schemeClr val="accent1"/>
+          </a:lnRef>
+          <a:fillRef idx="0">
+            <a:schemeClr val="accent1"/>
+          </a:fillRef>
+          <a:effectRef idx="0">
+            <a:schemeClr val="accent1"/>
+          </a:effectRef>
+          <a:fontRef idx="minor">
+            <a:schemeClr val="tx1"/>
+          </a:fontRef>
+        </p:style>
+      </p:cxnSp>
+      <p:sp>
+        <p:nvSpPr>
+          <p:cNvPr id="24" name="TextBox 23"/>
+          <p:cNvSpPr txBox="1"/>
+          <p:nvPr/>
+        </p:nvSpPr>
+        <p:spPr>
+          <a:xfrm>
+            <a:off x="3924128" y="868708"/>
+            <a:ext cx="708848" cy="369332"/>
+          </a:xfrm>
+          <a:prstGeom prst="rect">
+            <a:avLst/>
+          </a:prstGeom>
+          <a:noFill/>
+        </p:spPr>
+        <p:txBody>
+          <a:bodyPr wrap="none" rtlCol="0">
+            <a:spAutoFit/>
+          </a:bodyPr>
+          <a:lstStyle/>
+          <a:p>
+            <a:r>
+              <a:rPr lang="en-US" dirty="0" smtClean="0"/>
+              <a:t>&lt;0.03</a:t>
+            </a:r>
+            <a:endParaRPr lang="en-US" dirty="0"/>
+          </a:p>
+        </p:txBody>
+      </p:sp>
+      <p:sp>
+        <p:nvSpPr>
+          <p:cNvPr id="29" name="TextBox 28"/>
+          <p:cNvSpPr txBox="1"/>
+          <p:nvPr/>
+        </p:nvSpPr>
+        <p:spPr>
+          <a:xfrm>
+            <a:off x="6918951" y="865132"/>
+            <a:ext cx="824265" cy="369332"/>
+          </a:xfrm>
+          <a:prstGeom prst="rect">
+            <a:avLst/>
+          </a:prstGeom>
+          <a:noFill/>
+        </p:spPr>
+        <p:txBody>
+          <a:bodyPr wrap="none" rtlCol="0">
+            <a:spAutoFit/>
+          </a:bodyPr>
+          <a:lstStyle/>
+          <a:p>
+            <a:r>
+              <a:rPr lang="en-US" dirty="0" smtClean="0"/>
+              <a:t>&gt;=0.03</a:t>
+            </a:r>
+            <a:endParaRPr lang="en-US" dirty="0"/>
+          </a:p>
+        </p:txBody>
+      </p:sp>
+      <p:cxnSp>
+        <p:nvCxnSpPr>
+          <p:cNvPr id="34" name="Straight Connector 33"/>
+          <p:cNvCxnSpPr>
+            <a:endCxn id="13" idx="0"/>
+          </p:cNvCxnSpPr>
+          <p:nvPr/>
+        </p:nvCxnSpPr>
+        <p:spPr>
+          <a:xfrm flipH="1">
+            <a:off x="1100197" y="3063244"/>
+            <a:ext cx="640044" cy="548639"/>
+          </a:xfrm>
+          <a:prstGeom prst="line">
+            <a:avLst/>
+          </a:prstGeom>
+          <a:ln w="12700">
+            <a:solidFill>
+              <a:schemeClr val="tx1"/>
+            </a:solidFill>
+          </a:ln>
+        </p:spPr>
+        <p:style>
+          <a:lnRef idx="1">
+            <a:schemeClr val="accent1"/>
+          </a:lnRef>
+          <a:fillRef idx="0">
+            <a:schemeClr val="accent1"/>
+          </a:fillRef>
+          <a:effectRef idx="0">
+            <a:schemeClr val="accent1"/>
+          </a:effectRef>
+          <a:fontRef idx="minor">
+            <a:schemeClr val="tx1"/>
+          </a:fontRef>
+        </p:style>
+      </p:cxnSp>
+      <p:sp>
+        <p:nvSpPr>
+          <p:cNvPr id="37" name="TextBox 36"/>
+          <p:cNvSpPr txBox="1"/>
+          <p:nvPr/>
+        </p:nvSpPr>
+        <p:spPr>
+          <a:xfrm>
+            <a:off x="2164123" y="2053839"/>
+            <a:ext cx="708848" cy="369332"/>
+          </a:xfrm>
+          <a:prstGeom prst="rect">
+            <a:avLst/>
+          </a:prstGeom>
+          <a:noFill/>
+        </p:spPr>
+        <p:txBody>
+          <a:bodyPr wrap="none" rtlCol="0">
+            <a:spAutoFit/>
+          </a:bodyPr>
+          <a:lstStyle/>
+          <a:p>
+            <a:r>
+              <a:rPr lang="en-US" dirty="0" smtClean="0"/>
+              <a:t>&lt;0.03</a:t>
+            </a:r>
+            <a:endParaRPr lang="en-US" dirty="0"/>
+          </a:p>
+        </p:txBody>
+      </p:sp>
+      <p:sp>
+        <p:nvSpPr>
+          <p:cNvPr id="41" name="TextBox 40"/>
+          <p:cNvSpPr txBox="1"/>
+          <p:nvPr/>
+        </p:nvSpPr>
+        <p:spPr>
+          <a:xfrm>
+            <a:off x="4907293" y="2053839"/>
+            <a:ext cx="824265" cy="369332"/>
+          </a:xfrm>
+          <a:prstGeom prst="rect">
+            <a:avLst/>
+          </a:prstGeom>
+          <a:noFill/>
+        </p:spPr>
+        <p:txBody>
+          <a:bodyPr wrap="none" rtlCol="0">
+            <a:spAutoFit/>
+          </a:bodyPr>
+          <a:lstStyle/>
+          <a:p>
+            <a:r>
+              <a:rPr lang="en-US" dirty="0" smtClean="0"/>
+              <a:t>&gt;=0.03</a:t>
+            </a:r>
+            <a:endParaRPr lang="en-US" dirty="0"/>
+          </a:p>
+        </p:txBody>
+      </p:sp>
+      <p:sp>
+        <p:nvSpPr>
+          <p:cNvPr id="43" name="TextBox 42"/>
+          <p:cNvSpPr txBox="1"/>
+          <p:nvPr/>
+        </p:nvSpPr>
+        <p:spPr>
+          <a:xfrm>
+            <a:off x="6187439" y="2061836"/>
+            <a:ext cx="708848" cy="369332"/>
+          </a:xfrm>
+          <a:prstGeom prst="rect">
+            <a:avLst/>
+          </a:prstGeom>
+          <a:noFill/>
+        </p:spPr>
+        <p:txBody>
+          <a:bodyPr wrap="none" rtlCol="0">
+            <a:spAutoFit/>
+          </a:bodyPr>
+          <a:lstStyle/>
+          <a:p>
+            <a:r>
+              <a:rPr lang="en-US" dirty="0" smtClean="0"/>
+              <a:t>&lt;0.16</a:t>
+            </a:r>
+            <a:endParaRPr lang="en-US" dirty="0"/>
+          </a:p>
+        </p:txBody>
+      </p:sp>
+      <p:sp>
+        <p:nvSpPr>
+          <p:cNvPr id="44" name="TextBox 43"/>
+          <p:cNvSpPr txBox="1"/>
+          <p:nvPr/>
+        </p:nvSpPr>
+        <p:spPr>
+          <a:xfrm>
+            <a:off x="8773899" y="2012715"/>
+            <a:ext cx="824265" cy="369332"/>
+          </a:xfrm>
+          <a:prstGeom prst="rect">
+            <a:avLst/>
+          </a:prstGeom>
+          <a:noFill/>
+        </p:spPr>
+        <p:txBody>
+          <a:bodyPr wrap="none" rtlCol="0">
+            <a:spAutoFit/>
+          </a:bodyPr>
+          <a:lstStyle/>
+          <a:p>
+            <a:r>
+              <a:rPr lang="en-US" dirty="0" smtClean="0"/>
+              <a:t>&gt;=0.16</a:t>
+            </a:r>
+            <a:endParaRPr lang="en-US" dirty="0"/>
+          </a:p>
+        </p:txBody>
+      </p:sp>
+      <p:sp>
+        <p:nvSpPr>
+          <p:cNvPr id="48" name="TextBox 47"/>
+          <p:cNvSpPr txBox="1"/>
+          <p:nvPr/>
+        </p:nvSpPr>
+        <p:spPr>
+          <a:xfrm>
+            <a:off x="518221" y="3151107"/>
+            <a:ext cx="708848" cy="369332"/>
+          </a:xfrm>
+          <a:prstGeom prst="rect">
+            <a:avLst/>
+          </a:prstGeom>
+          <a:noFill/>
+        </p:spPr>
+        <p:txBody>
+          <a:bodyPr wrap="none" rtlCol="0">
+            <a:spAutoFit/>
+          </a:bodyPr>
+          <a:lstStyle/>
+          <a:p>
+            <a:r>
+              <a:rPr lang="en-US" dirty="0" smtClean="0"/>
+              <a:t>&lt;0.01</a:t>
+            </a:r>
+            <a:endParaRPr lang="en-US" dirty="0"/>
+          </a:p>
+        </p:txBody>
+      </p:sp>
+      <p:cxnSp>
+        <p:nvCxnSpPr>
+          <p:cNvPr id="49" name="Straight Connector 48"/>
+          <p:cNvCxnSpPr>
+            <a:endCxn id="15" idx="0"/>
+          </p:cNvCxnSpPr>
+          <p:nvPr/>
+        </p:nvCxnSpPr>
+        <p:spPr>
+          <a:xfrm>
+            <a:off x="2237089" y="3063244"/>
+            <a:ext cx="190274" cy="548639"/>
+          </a:xfrm>
+          <a:prstGeom prst="line">
+            <a:avLst/>
+          </a:prstGeom>
+          <a:ln w="12700">
+            <a:solidFill>
+              <a:schemeClr val="tx1"/>
+            </a:solidFill>
+          </a:ln>
+        </p:spPr>
+        <p:style>
+          <a:lnRef idx="1">
+            <a:schemeClr val="accent1"/>
+          </a:lnRef>
+          <a:fillRef idx="0">
+            <a:schemeClr val="accent1"/>
+          </a:fillRef>
+          <a:effectRef idx="0">
+            <a:schemeClr val="accent1"/>
+          </a:effectRef>
+          <a:fontRef idx="minor">
+            <a:schemeClr val="tx1"/>
+          </a:fontRef>
+        </p:style>
+      </p:cxnSp>
+      <p:sp>
+        <p:nvSpPr>
+          <p:cNvPr id="52" name="TextBox 51"/>
+          <p:cNvSpPr txBox="1"/>
+          <p:nvPr/>
+        </p:nvSpPr>
+        <p:spPr>
+          <a:xfrm>
+            <a:off x="2255562" y="3132124"/>
+            <a:ext cx="824265" cy="369332"/>
+          </a:xfrm>
+          <a:prstGeom prst="rect">
+            <a:avLst/>
+          </a:prstGeom>
+          <a:noFill/>
+        </p:spPr>
+        <p:txBody>
+          <a:bodyPr wrap="none" rtlCol="0">
+            <a:spAutoFit/>
+          </a:bodyPr>
+          <a:lstStyle/>
+          <a:p>
+            <a:r>
+              <a:rPr lang="en-US" dirty="0" smtClean="0"/>
+              <a:t>&gt;=0.01</a:t>
+            </a:r>
+            <a:endParaRPr lang="en-US" dirty="0"/>
+          </a:p>
+        </p:txBody>
+      </p:sp>
+      <p:cxnSp>
+        <p:nvCxnSpPr>
+          <p:cNvPr id="53" name="Straight Connector 52"/>
+          <p:cNvCxnSpPr/>
+          <p:nvPr/>
+        </p:nvCxnSpPr>
+        <p:spPr>
+          <a:xfrm flipH="1">
+            <a:off x="4130721" y="3063244"/>
+            <a:ext cx="457163" cy="548639"/>
+          </a:xfrm>
+          <a:prstGeom prst="line">
+            <a:avLst/>
+          </a:prstGeom>
+          <a:ln w="12700">
+            <a:solidFill>
+              <a:schemeClr val="tx1"/>
+            </a:solidFill>
+          </a:ln>
+        </p:spPr>
+        <p:style>
+          <a:lnRef idx="1">
+            <a:schemeClr val="accent1"/>
+          </a:lnRef>
+          <a:fillRef idx="0">
+            <a:schemeClr val="accent1"/>
+          </a:fillRef>
+          <a:effectRef idx="0">
+            <a:schemeClr val="accent1"/>
+          </a:effectRef>
+          <a:fontRef idx="minor">
+            <a:schemeClr val="tx1"/>
+          </a:fontRef>
+        </p:style>
+      </p:cxnSp>
+      <p:sp>
+        <p:nvSpPr>
+          <p:cNvPr id="54" name="TextBox 53"/>
+          <p:cNvSpPr txBox="1"/>
+          <p:nvPr/>
+        </p:nvSpPr>
+        <p:spPr>
+          <a:xfrm>
+            <a:off x="3618518" y="3132124"/>
+            <a:ext cx="708848" cy="369332"/>
+          </a:xfrm>
+          <a:prstGeom prst="rect">
+            <a:avLst/>
+          </a:prstGeom>
+          <a:noFill/>
+        </p:spPr>
+        <p:txBody>
+          <a:bodyPr wrap="none" rtlCol="0">
+            <a:spAutoFit/>
+          </a:bodyPr>
+          <a:lstStyle/>
+          <a:p>
+            <a:r>
+              <a:rPr lang="en-US" dirty="0" smtClean="0"/>
+              <a:t>&lt;0.01</a:t>
+            </a:r>
+            <a:endParaRPr lang="en-US" dirty="0"/>
+          </a:p>
+        </p:txBody>
+      </p:sp>
+      <p:sp>
+        <p:nvSpPr>
+          <p:cNvPr id="55" name="TextBox 54"/>
+          <p:cNvSpPr txBox="1"/>
+          <p:nvPr/>
+        </p:nvSpPr>
+        <p:spPr>
+          <a:xfrm>
+            <a:off x="5604273" y="3172375"/>
+            <a:ext cx="824265" cy="369332"/>
+          </a:xfrm>
+          <a:prstGeom prst="rect">
+            <a:avLst/>
+          </a:prstGeom>
+          <a:noFill/>
+        </p:spPr>
+        <p:txBody>
+          <a:bodyPr wrap="none" rtlCol="0">
+            <a:spAutoFit/>
+          </a:bodyPr>
+          <a:lstStyle/>
+          <a:p>
+            <a:r>
+              <a:rPr lang="en-US" dirty="0" smtClean="0"/>
+              <a:t>&gt;=0.01</a:t>
+            </a:r>
+            <a:endParaRPr lang="en-US" dirty="0"/>
+          </a:p>
+        </p:txBody>
+      </p:sp>
+      <p:cxnSp>
+        <p:nvCxnSpPr>
+          <p:cNvPr id="56" name="Straight Connector 55"/>
+          <p:cNvCxnSpPr/>
+          <p:nvPr/>
+        </p:nvCxnSpPr>
+        <p:spPr>
+          <a:xfrm>
+            <a:off x="5364488" y="3063244"/>
+            <a:ext cx="373154" cy="548639"/>
+          </a:xfrm>
+          <a:prstGeom prst="line">
+            <a:avLst/>
+          </a:prstGeom>
+          <a:ln w="12700">
+            <a:solidFill>
+              <a:schemeClr val="tx1"/>
+            </a:solidFill>
+          </a:ln>
+        </p:spPr>
+        <p:style>
+          <a:lnRef idx="1">
+            <a:schemeClr val="accent1"/>
+          </a:lnRef>
+          <a:fillRef idx="0">
+            <a:schemeClr val="accent1"/>
+          </a:fillRef>
+          <a:effectRef idx="0">
+            <a:schemeClr val="accent1"/>
+          </a:effectRef>
+          <a:fontRef idx="minor">
+            <a:schemeClr val="tx1"/>
+          </a:fontRef>
+        </p:style>
+      </p:cxnSp>
+      <p:cxnSp>
+        <p:nvCxnSpPr>
+          <p:cNvPr id="57" name="Straight Connector 56"/>
+          <p:cNvCxnSpPr/>
+          <p:nvPr/>
+        </p:nvCxnSpPr>
+        <p:spPr>
+          <a:xfrm flipH="1">
+            <a:off x="7284707" y="3063244"/>
+            <a:ext cx="228582" cy="525764"/>
+          </a:xfrm>
+          <a:prstGeom prst="line">
+            <a:avLst/>
+          </a:prstGeom>
+          <a:ln w="12700">
+            <a:solidFill>
+              <a:schemeClr val="tx1"/>
+            </a:solidFill>
+          </a:ln>
+        </p:spPr>
+        <p:style>
+          <a:lnRef idx="1">
+            <a:schemeClr val="accent1"/>
+          </a:lnRef>
+          <a:fillRef idx="0">
+            <a:schemeClr val="accent1"/>
+          </a:fillRef>
+          <a:effectRef idx="0">
+            <a:schemeClr val="accent1"/>
+          </a:effectRef>
+          <a:fontRef idx="minor">
+            <a:schemeClr val="tx1"/>
+          </a:fontRef>
+        </p:style>
+      </p:cxnSp>
+      <p:sp>
+        <p:nvSpPr>
+          <p:cNvPr id="59" name="TextBox 58"/>
+          <p:cNvSpPr txBox="1"/>
+          <p:nvPr/>
+        </p:nvSpPr>
+        <p:spPr>
+          <a:xfrm>
+            <a:off x="6736073" y="3162071"/>
+            <a:ext cx="708848" cy="369332"/>
+          </a:xfrm>
+          <a:prstGeom prst="rect">
+            <a:avLst/>
+          </a:prstGeom>
+          <a:noFill/>
+        </p:spPr>
+        <p:txBody>
+          <a:bodyPr wrap="none" rtlCol="0">
+            <a:spAutoFit/>
+          </a:bodyPr>
+          <a:lstStyle/>
+          <a:p>
+            <a:r>
+              <a:rPr lang="en-US" dirty="0" smtClean="0"/>
+              <a:t>&lt;0.48</a:t>
+            </a:r>
+            <a:endParaRPr lang="en-US" dirty="0"/>
+          </a:p>
+        </p:txBody>
+      </p:sp>
+      <p:sp>
+        <p:nvSpPr>
+          <p:cNvPr id="60" name="TextBox 59"/>
+          <p:cNvSpPr txBox="1"/>
+          <p:nvPr/>
+        </p:nvSpPr>
+        <p:spPr>
+          <a:xfrm>
+            <a:off x="8356076" y="3149074"/>
+            <a:ext cx="824265" cy="369332"/>
+          </a:xfrm>
+          <a:prstGeom prst="rect">
+            <a:avLst/>
+          </a:prstGeom>
+          <a:noFill/>
+        </p:spPr>
+        <p:txBody>
+          <a:bodyPr wrap="none" rtlCol="0">
+            <a:spAutoFit/>
+          </a:bodyPr>
+          <a:lstStyle/>
+          <a:p>
+            <a:r>
+              <a:rPr lang="en-US" dirty="0" smtClean="0"/>
+              <a:t>&gt;=0.48</a:t>
+            </a:r>
+            <a:endParaRPr lang="en-US" dirty="0"/>
+          </a:p>
+        </p:txBody>
+      </p:sp>
+      <p:cxnSp>
+        <p:nvCxnSpPr>
+          <p:cNvPr id="61" name="Straight Connector 60"/>
+          <p:cNvCxnSpPr/>
+          <p:nvPr/>
+        </p:nvCxnSpPr>
+        <p:spPr>
+          <a:xfrm>
+            <a:off x="7833341" y="3063244"/>
+            <a:ext cx="845784" cy="518133"/>
+          </a:xfrm>
+          <a:prstGeom prst="line">
+            <a:avLst/>
+          </a:prstGeom>
+          <a:ln w="12700">
+            <a:solidFill>
+              <a:schemeClr val="tx1"/>
+            </a:solidFill>
+          </a:ln>
+        </p:spPr>
+        <p:style>
+          <a:lnRef idx="1">
+            <a:schemeClr val="accent1"/>
+          </a:lnRef>
+          <a:fillRef idx="0">
+            <a:schemeClr val="accent1"/>
+          </a:fillRef>
+          <a:effectRef idx="0">
+            <a:schemeClr val="accent1"/>
+          </a:effectRef>
+          <a:fontRef idx="minor">
+            <a:schemeClr val="tx1"/>
+          </a:fontRef>
+        </p:style>
+      </p:cxnSp>
+      <p:cxnSp>
+        <p:nvCxnSpPr>
+          <p:cNvPr id="64" name="Straight Connector 63"/>
+          <p:cNvCxnSpPr/>
+          <p:nvPr/>
+        </p:nvCxnSpPr>
+        <p:spPr>
+          <a:xfrm flipH="1">
+            <a:off x="9662121" y="3087662"/>
+            <a:ext cx="396822" cy="540993"/>
+          </a:xfrm>
+          <a:prstGeom prst="line">
+            <a:avLst/>
+          </a:prstGeom>
+          <a:ln w="12700">
+            <a:solidFill>
+              <a:schemeClr val="tx1"/>
+            </a:solidFill>
+          </a:ln>
+        </p:spPr>
+        <p:style>
+          <a:lnRef idx="1">
+            <a:schemeClr val="accent1"/>
+          </a:lnRef>
+          <a:fillRef idx="0">
+            <a:schemeClr val="accent1"/>
+          </a:fillRef>
+          <a:effectRef idx="0">
+            <a:schemeClr val="accent1"/>
+          </a:effectRef>
+          <a:fontRef idx="minor">
+            <a:schemeClr val="tx1"/>
+          </a:fontRef>
+        </p:style>
+      </p:cxnSp>
+      <p:sp>
+        <p:nvSpPr>
+          <p:cNvPr id="67" name="TextBox 66"/>
+          <p:cNvSpPr txBox="1"/>
+          <p:nvPr/>
+        </p:nvSpPr>
+        <p:spPr>
+          <a:xfrm>
+            <a:off x="9867663" y="3154683"/>
+            <a:ext cx="708848" cy="369332"/>
+          </a:xfrm>
+          <a:prstGeom prst="rect">
+            <a:avLst/>
+          </a:prstGeom>
+          <a:noFill/>
+        </p:spPr>
+        <p:txBody>
+          <a:bodyPr wrap="none" rtlCol="0">
+            <a:spAutoFit/>
+          </a:bodyPr>
+          <a:lstStyle/>
+          <a:p>
+            <a:r>
+              <a:rPr lang="en-US" dirty="0"/>
+              <a:t>&lt;</a:t>
+            </a:r>
+            <a:r>
+              <a:rPr lang="en-US" dirty="0" smtClean="0"/>
+              <a:t>0.07</a:t>
+            </a:r>
+            <a:endParaRPr lang="en-US" dirty="0"/>
+          </a:p>
+        </p:txBody>
+      </p:sp>
+      <p:cxnSp>
+        <p:nvCxnSpPr>
+          <p:cNvPr id="68" name="Straight Connector 67"/>
+          <p:cNvCxnSpPr/>
+          <p:nvPr/>
+        </p:nvCxnSpPr>
+        <p:spPr>
+          <a:xfrm>
+            <a:off x="10866156" y="3063244"/>
+            <a:ext cx="460096" cy="540993"/>
+          </a:xfrm>
+          <a:prstGeom prst="line">
+            <a:avLst/>
+          </a:prstGeom>
+          <a:ln w="12700">
+            <a:solidFill>
+              <a:schemeClr val="tx1"/>
+            </a:solidFill>
+          </a:ln>
+        </p:spPr>
+        <p:style>
+          <a:lnRef idx="1">
+            <a:schemeClr val="accent1"/>
+          </a:lnRef>
+          <a:fillRef idx="0">
+            <a:schemeClr val="accent1"/>
+          </a:fillRef>
+          <a:effectRef idx="0">
+            <a:schemeClr val="accent1"/>
+          </a:effectRef>
+          <a:fontRef idx="minor">
+            <a:schemeClr val="tx1"/>
+          </a:fontRef>
+        </p:style>
+      </p:cxnSp>
+      <p:sp>
+        <p:nvSpPr>
+          <p:cNvPr id="71" name="TextBox 70"/>
+          <p:cNvSpPr txBox="1"/>
+          <p:nvPr/>
+        </p:nvSpPr>
+        <p:spPr>
+          <a:xfrm>
+            <a:off x="11231936" y="3152896"/>
+            <a:ext cx="824265" cy="369332"/>
+          </a:xfrm>
+          <a:prstGeom prst="rect">
+            <a:avLst/>
+          </a:prstGeom>
+          <a:noFill/>
+        </p:spPr>
+        <p:txBody>
+          <a:bodyPr wrap="none" rtlCol="0">
+            <a:spAutoFit/>
+          </a:bodyPr>
+          <a:lstStyle/>
+          <a:p>
+            <a:r>
+              <a:rPr lang="en-US" dirty="0" smtClean="0"/>
+              <a:t>&gt;=0.07</a:t>
+            </a:r>
+            <a:endParaRPr lang="en-US" dirty="0"/>
+          </a:p>
+        </p:txBody>
+      </p:sp>
+      <p:cxnSp>
+        <p:nvCxnSpPr>
+          <p:cNvPr id="74" name="Straight Connector 73"/>
+          <p:cNvCxnSpPr/>
+          <p:nvPr/>
+        </p:nvCxnSpPr>
+        <p:spPr>
+          <a:xfrm flipH="1" flipV="1">
+            <a:off x="6095984" y="868708"/>
+            <a:ext cx="1463040" cy="548640"/>
+          </a:xfrm>
+          <a:prstGeom prst="line">
+            <a:avLst/>
+          </a:prstGeom>
+          <a:ln w="12700">
+            <a:solidFill>
+              <a:schemeClr val="tx1"/>
+            </a:solidFill>
+          </a:ln>
+        </p:spPr>
+        <p:style>
+          <a:lnRef idx="1">
+            <a:schemeClr val="accent1"/>
+          </a:lnRef>
+          <a:fillRef idx="0">
+            <a:schemeClr val="accent1"/>
+          </a:fillRef>
+          <a:effectRef idx="0">
+            <a:schemeClr val="accent1"/>
+          </a:effectRef>
+          <a:fontRef idx="minor">
+            <a:schemeClr val="tx1"/>
+          </a:fontRef>
+        </p:style>
+      </p:cxnSp>
+      <p:cxnSp>
+        <p:nvCxnSpPr>
+          <p:cNvPr id="78" name="Straight Connector 77"/>
+          <p:cNvCxnSpPr/>
+          <p:nvPr/>
+        </p:nvCxnSpPr>
+        <p:spPr>
+          <a:xfrm flipH="1">
+            <a:off x="2347001" y="1965976"/>
+            <a:ext cx="1463040" cy="548640"/>
+          </a:xfrm>
+          <a:prstGeom prst="line">
+            <a:avLst/>
+          </a:prstGeom>
+          <a:ln w="12700">
+            <a:solidFill>
+              <a:schemeClr val="tx1"/>
+            </a:solidFill>
+          </a:ln>
+        </p:spPr>
+        <p:style>
+          <a:lnRef idx="1">
+            <a:schemeClr val="accent1"/>
+          </a:lnRef>
+          <a:fillRef idx="0">
+            <a:schemeClr val="accent1"/>
+          </a:fillRef>
+          <a:effectRef idx="0">
+            <a:schemeClr val="accent1"/>
+          </a:effectRef>
+          <a:fontRef idx="minor">
+            <a:schemeClr val="tx1"/>
+          </a:fontRef>
+        </p:style>
+      </p:cxnSp>
+      <p:cxnSp>
+        <p:nvCxnSpPr>
+          <p:cNvPr id="79" name="Straight Connector 78"/>
+          <p:cNvCxnSpPr/>
+          <p:nvPr/>
+        </p:nvCxnSpPr>
+        <p:spPr>
+          <a:xfrm flipH="1" flipV="1">
+            <a:off x="4358643" y="1965976"/>
+            <a:ext cx="731520" cy="548640"/>
+          </a:xfrm>
+          <a:prstGeom prst="line">
+            <a:avLst/>
+          </a:prstGeom>
+          <a:ln w="12700">
+            <a:solidFill>
+              <a:schemeClr val="tx1"/>
+            </a:solidFill>
+          </a:ln>
+        </p:spPr>
+        <p:style>
+          <a:lnRef idx="1">
+            <a:schemeClr val="accent1"/>
+          </a:lnRef>
+          <a:fillRef idx="0">
+            <a:schemeClr val="accent1"/>
+          </a:fillRef>
+          <a:effectRef idx="0">
+            <a:schemeClr val="accent1"/>
+          </a:effectRef>
+          <a:fontRef idx="minor">
+            <a:schemeClr val="tx1"/>
+          </a:fontRef>
+        </p:style>
+      </p:cxnSp>
+      <p:cxnSp>
+        <p:nvCxnSpPr>
+          <p:cNvPr id="80" name="Straight Connector 79"/>
+          <p:cNvCxnSpPr/>
+          <p:nvPr/>
+        </p:nvCxnSpPr>
+        <p:spPr>
+          <a:xfrm>
+            <a:off x="7833325" y="1965976"/>
+            <a:ext cx="1463040" cy="548640"/>
+          </a:xfrm>
+          <a:prstGeom prst="line">
+            <a:avLst/>
+          </a:prstGeom>
+          <a:ln w="12700">
+            <a:solidFill>
+              <a:schemeClr val="tx1"/>
+            </a:solidFill>
+          </a:ln>
+        </p:spPr>
+        <p:style>
+          <a:lnRef idx="1">
+            <a:schemeClr val="accent1"/>
+          </a:lnRef>
+          <a:fillRef idx="0">
+            <a:schemeClr val="accent1"/>
+          </a:fillRef>
+          <a:effectRef idx="0">
+            <a:schemeClr val="accent1"/>
+          </a:effectRef>
+          <a:fontRef idx="minor">
+            <a:schemeClr val="tx1"/>
+          </a:fontRef>
+        </p:style>
+      </p:cxnSp>
+      <p:cxnSp>
+        <p:nvCxnSpPr>
+          <p:cNvPr id="81" name="Straight Connector 80"/>
+          <p:cNvCxnSpPr/>
+          <p:nvPr/>
+        </p:nvCxnSpPr>
+        <p:spPr>
+          <a:xfrm flipV="1">
+            <a:off x="6553195" y="1965976"/>
+            <a:ext cx="731520" cy="548640"/>
+          </a:xfrm>
+          <a:prstGeom prst="line">
+            <a:avLst/>
+          </a:prstGeom>
+          <a:ln w="12700">
+            <a:solidFill>
+              <a:schemeClr val="tx1"/>
+            </a:solidFill>
+          </a:ln>
+        </p:spPr>
+        <p:style>
+          <a:lnRef idx="1">
+            <a:schemeClr val="accent1"/>
+          </a:lnRef>
+          <a:fillRef idx="0">
+            <a:schemeClr val="accent1"/>
+          </a:fillRef>
+          <a:effectRef idx="0">
+            <a:schemeClr val="accent1"/>
+          </a:effectRef>
+          <a:fontRef idx="minor">
+            <a:schemeClr val="tx1"/>
+          </a:fontRef>
+        </p:style>
+      </p:cxnSp>
+      <p:sp>
+        <p:nvSpPr>
+          <p:cNvPr id="82" name="Rectangle 81"/>
+          <p:cNvSpPr/>
+          <p:nvPr/>
+        </p:nvSpPr>
+        <p:spPr>
+          <a:xfrm>
+            <a:off x="9662121" y="3611878"/>
+            <a:ext cx="1097280" cy="914400"/>
+          </a:xfrm>
+          <a:prstGeom prst="rect">
+            <a:avLst/>
+          </a:prstGeom>
+          <a:solidFill>
+            <a:srgbClr val="7030A0"/>
+          </a:solidFill>
+          <a:ln>
+            <a:solidFill>
+              <a:schemeClr val="tx1"/>
+            </a:solidFill>
+          </a:ln>
+        </p:spPr>
+        <p:style>
+          <a:lnRef idx="2">
+            <a:schemeClr val="accent1">
+              <a:shade val="50000"/>
+            </a:schemeClr>
+          </a:lnRef>
+          <a:fillRef idx="1">
+            <a:schemeClr val="accent1"/>
+          </a:fillRef>
+          <a:effectRef idx="0">
+            <a:schemeClr val="accent1"/>
+          </a:effectRef>
+          <a:fontRef idx="minor">
+            <a:schemeClr val="lt1"/>
+          </a:fontRef>
+        </p:style>
+        <p:txBody>
+          <a:bodyPr rtlCol="0" anchor="t"/>
+          <a:lstStyle/>
+          <a:p>
+            <a:r>
+              <a:rPr lang="en-US" dirty="0" smtClean="0">
+                <a:solidFill>
+                  <a:schemeClr val="bg1"/>
+                </a:solidFill>
+              </a:rPr>
+              <a:t>Director</a:t>
+            </a:r>
+          </a:p>
+          <a:p>
+            <a:r>
+              <a:rPr lang="en-US" dirty="0" smtClean="0">
+                <a:solidFill>
+                  <a:schemeClr val="bg1"/>
+                </a:solidFill>
+              </a:rPr>
+              <a:t>Total: 2</a:t>
+            </a:r>
+          </a:p>
+          <a:p>
+            <a:r>
+              <a:rPr lang="en-US" dirty="0" smtClean="0">
+                <a:solidFill>
+                  <a:schemeClr val="bg1"/>
+                </a:solidFill>
+              </a:rPr>
+              <a:t>Errors: 1</a:t>
+            </a:r>
+            <a:endParaRPr lang="en-US" dirty="0">
+              <a:solidFill>
+                <a:schemeClr val="bg1"/>
+              </a:solidFill>
+            </a:endParaRPr>
+          </a:p>
+        </p:txBody>
+      </p:sp>
+      <p:sp>
+        <p:nvSpPr>
+          <p:cNvPr id="45" name="Rounded Rectangle 44"/>
+          <p:cNvSpPr/>
+          <p:nvPr/>
+        </p:nvSpPr>
+        <p:spPr>
+          <a:xfrm>
+            <a:off x="4736808" y="320074"/>
+            <a:ext cx="2194560" cy="548640"/>
+          </a:xfrm>
+          <a:prstGeom prst="roundRect">
+            <a:avLst/>
+          </a:prstGeom>
+          <a:solidFill>
+            <a:schemeClr val="accent4">
+              <a:lumMod val="40000"/>
+              <a:lumOff val="60000"/>
+            </a:schemeClr>
+          </a:solidFill>
+          <a:ln>
+            <a:solidFill>
+              <a:schemeClr val="tx1"/>
+            </a:solidFill>
+          </a:ln>
+        </p:spPr>
+        <p:style>
+          <a:lnRef idx="2">
+            <a:schemeClr val="accent1">
+              <a:shade val="50000"/>
+            </a:schemeClr>
+          </a:lnRef>
+          <a:fillRef idx="1">
+            <a:schemeClr val="accent1"/>
+          </a:fillRef>
+          <a:effectRef idx="0">
+            <a:schemeClr val="accent1"/>
+          </a:effectRef>
+          <a:fontRef idx="minor">
+            <a:schemeClr val="lt1"/>
+          </a:fontRef>
+        </p:style>
+        <p:txBody>
+          <a:bodyPr rtlCol="0" anchor="ctr"/>
+          <a:lstStyle/>
+          <a:p>
+            <a:pPr algn="ctr"/>
+            <a:r>
+              <a:rPr lang="en-US" dirty="0" smtClean="0">
+                <a:solidFill>
+                  <a:sysClr val="windowText" lastClr="000000"/>
+                </a:solidFill>
+              </a:rPr>
+              <a:t>Partial Graph</a:t>
+            </a:r>
+          </a:p>
+          <a:p>
+            <a:pPr algn="ctr"/>
+            <a:r>
+              <a:rPr lang="en-US" dirty="0" smtClean="0">
+                <a:solidFill>
+                  <a:sysClr val="windowText" lastClr="000000"/>
+                </a:solidFill>
+              </a:rPr>
+              <a:t>Authorities</a:t>
+            </a:r>
+            <a:endParaRPr lang="en-US" dirty="0">
+              <a:solidFill>
+                <a:sysClr val="windowText" lastClr="000000"/>
+              </a:solidFill>
+            </a:endParaRPr>
+          </a:p>
+        </p:txBody>
+      </p:sp>
+      <p:sp>
+        <p:nvSpPr>
+          <p:cNvPr id="46" name="Rounded Rectangle 45"/>
+          <p:cNvSpPr/>
+          <p:nvPr/>
+        </p:nvSpPr>
+        <p:spPr>
+          <a:xfrm>
+            <a:off x="2999467" y="1417342"/>
+            <a:ext cx="2194560" cy="548640"/>
+          </a:xfrm>
+          <a:prstGeom prst="roundRect">
+            <a:avLst/>
+          </a:prstGeom>
+          <a:solidFill>
+            <a:schemeClr val="accent4">
+              <a:lumMod val="40000"/>
+              <a:lumOff val="60000"/>
+            </a:schemeClr>
+          </a:solidFill>
+          <a:ln>
+            <a:solidFill>
+              <a:schemeClr val="tx1"/>
+            </a:solidFill>
+          </a:ln>
+        </p:spPr>
+        <p:style>
+          <a:lnRef idx="2">
+            <a:schemeClr val="accent1">
+              <a:shade val="50000"/>
+            </a:schemeClr>
+          </a:lnRef>
+          <a:fillRef idx="1">
+            <a:schemeClr val="accent1"/>
+          </a:fillRef>
+          <a:effectRef idx="0">
+            <a:schemeClr val="accent1"/>
+          </a:effectRef>
+          <a:fontRef idx="minor">
+            <a:schemeClr val="lt1"/>
+          </a:fontRef>
+        </p:style>
+        <p:txBody>
+          <a:bodyPr rtlCol="0" anchor="ctr"/>
+          <a:lstStyle/>
+          <a:p>
+            <a:pPr algn="ctr"/>
+            <a:r>
+              <a:rPr lang="en-US" dirty="0" smtClean="0">
+                <a:solidFill>
+                  <a:sysClr val="windowText" lastClr="000000"/>
+                </a:solidFill>
+              </a:rPr>
+              <a:t>Percentage of emails sent after hours</a:t>
+            </a:r>
+            <a:endParaRPr lang="en-US" dirty="0">
+              <a:solidFill>
+                <a:sysClr val="windowText" lastClr="000000"/>
+              </a:solidFill>
+            </a:endParaRPr>
+          </a:p>
+        </p:txBody>
+      </p:sp>
+      <p:sp>
+        <p:nvSpPr>
+          <p:cNvPr id="47" name="Rounded Rectangle 46"/>
+          <p:cNvSpPr/>
+          <p:nvPr/>
+        </p:nvSpPr>
+        <p:spPr>
+          <a:xfrm>
+            <a:off x="6474125" y="1417342"/>
+            <a:ext cx="2194560" cy="548640"/>
+          </a:xfrm>
+          <a:prstGeom prst="roundRect">
+            <a:avLst/>
+          </a:prstGeom>
+          <a:solidFill>
+            <a:schemeClr val="accent4">
+              <a:lumMod val="40000"/>
+              <a:lumOff val="60000"/>
+            </a:schemeClr>
+          </a:solidFill>
+          <a:ln>
+            <a:solidFill>
+              <a:schemeClr val="tx1"/>
+            </a:solidFill>
+          </a:ln>
+        </p:spPr>
+        <p:style>
+          <a:lnRef idx="2">
+            <a:schemeClr val="accent1">
+              <a:shade val="50000"/>
+            </a:schemeClr>
+          </a:lnRef>
+          <a:fillRef idx="1">
+            <a:schemeClr val="accent1"/>
+          </a:fillRef>
+          <a:effectRef idx="0">
+            <a:schemeClr val="accent1"/>
+          </a:effectRef>
+          <a:fontRef idx="minor">
+            <a:schemeClr val="lt1"/>
+          </a:fontRef>
+        </p:style>
+        <p:txBody>
+          <a:bodyPr rtlCol="0" anchor="ctr"/>
+          <a:lstStyle/>
+          <a:p>
+            <a:pPr algn="ctr"/>
+            <a:r>
+              <a:rPr lang="en-US" dirty="0" smtClean="0">
+                <a:solidFill>
+                  <a:sysClr val="windowText" lastClr="000000"/>
+                </a:solidFill>
+              </a:rPr>
+              <a:t>Sent Forward Percentage</a:t>
+            </a:r>
+            <a:endParaRPr lang="en-US" dirty="0">
+              <a:solidFill>
+                <a:sysClr val="windowText" lastClr="000000"/>
+              </a:solidFill>
+            </a:endParaRPr>
+          </a:p>
+        </p:txBody>
+      </p:sp>
+      <p:sp>
+        <p:nvSpPr>
+          <p:cNvPr id="50" name="Rounded Rectangle 49"/>
+          <p:cNvSpPr/>
+          <p:nvPr/>
+        </p:nvSpPr>
+        <p:spPr>
+          <a:xfrm>
+            <a:off x="1262102" y="2514610"/>
+            <a:ext cx="2194560" cy="548640"/>
+          </a:xfrm>
+          <a:prstGeom prst="roundRect">
+            <a:avLst/>
+          </a:prstGeom>
+          <a:solidFill>
+            <a:schemeClr val="accent4">
+              <a:lumMod val="40000"/>
+              <a:lumOff val="60000"/>
+            </a:schemeClr>
+          </a:solidFill>
+          <a:ln>
+            <a:solidFill>
+              <a:schemeClr val="tx1"/>
+            </a:solidFill>
+          </a:ln>
+        </p:spPr>
+        <p:style>
+          <a:lnRef idx="2">
+            <a:schemeClr val="accent1">
+              <a:shade val="50000"/>
+            </a:schemeClr>
+          </a:lnRef>
+          <a:fillRef idx="1">
+            <a:schemeClr val="accent1"/>
+          </a:fillRef>
+          <a:effectRef idx="0">
+            <a:schemeClr val="accent1"/>
+          </a:effectRef>
+          <a:fontRef idx="minor">
+            <a:schemeClr val="lt1"/>
+          </a:fontRef>
+        </p:style>
+        <p:txBody>
+          <a:bodyPr rtlCol="0" anchor="ctr"/>
+          <a:lstStyle/>
+          <a:p>
+            <a:pPr algn="ctr"/>
+            <a:r>
+              <a:rPr lang="en-US" dirty="0" smtClean="0">
+                <a:solidFill>
+                  <a:sysClr val="windowText" lastClr="000000"/>
+                </a:solidFill>
+              </a:rPr>
+              <a:t>Unique Subjects Received</a:t>
+            </a:r>
+            <a:endParaRPr lang="en-US" dirty="0">
+              <a:solidFill>
+                <a:sysClr val="windowText" lastClr="000000"/>
+              </a:solidFill>
+            </a:endParaRPr>
+          </a:p>
+        </p:txBody>
+      </p:sp>
+      <p:sp>
+        <p:nvSpPr>
+          <p:cNvPr id="51" name="Rounded Rectangle 50"/>
+          <p:cNvSpPr/>
+          <p:nvPr/>
+        </p:nvSpPr>
+        <p:spPr>
+          <a:xfrm>
+            <a:off x="4005272" y="2514610"/>
+            <a:ext cx="2194560" cy="548640"/>
+          </a:xfrm>
+          <a:prstGeom prst="roundRect">
+            <a:avLst/>
+          </a:prstGeom>
+          <a:solidFill>
+            <a:schemeClr val="accent4">
+              <a:lumMod val="40000"/>
+              <a:lumOff val="60000"/>
+            </a:schemeClr>
+          </a:solidFill>
+          <a:ln>
+            <a:solidFill>
+              <a:schemeClr val="tx1"/>
+            </a:solidFill>
+          </a:ln>
+        </p:spPr>
+        <p:style>
+          <a:lnRef idx="2">
+            <a:schemeClr val="accent1">
+              <a:shade val="50000"/>
+            </a:schemeClr>
+          </a:lnRef>
+          <a:fillRef idx="1">
+            <a:schemeClr val="accent1"/>
+          </a:fillRef>
+          <a:effectRef idx="0">
+            <a:schemeClr val="accent1"/>
+          </a:effectRef>
+          <a:fontRef idx="minor">
+            <a:schemeClr val="lt1"/>
+          </a:fontRef>
+        </p:style>
+        <p:txBody>
+          <a:bodyPr rtlCol="0" anchor="ctr"/>
+          <a:lstStyle/>
+          <a:p>
+            <a:pPr algn="ctr"/>
+            <a:r>
+              <a:rPr lang="en-US" dirty="0" smtClean="0">
+                <a:solidFill>
+                  <a:sysClr val="windowText" lastClr="000000"/>
+                </a:solidFill>
+              </a:rPr>
+              <a:t>Average Emails </a:t>
+            </a:r>
+          </a:p>
+          <a:p>
+            <a:pPr algn="ctr"/>
+            <a:r>
+              <a:rPr lang="en-US" dirty="0" smtClean="0">
+                <a:solidFill>
+                  <a:sysClr val="windowText" lastClr="000000"/>
+                </a:solidFill>
+              </a:rPr>
+              <a:t>Per Day</a:t>
+            </a:r>
+            <a:endParaRPr lang="en-US" dirty="0">
+              <a:solidFill>
+                <a:sysClr val="windowText" lastClr="000000"/>
+              </a:solidFill>
+            </a:endParaRPr>
+          </a:p>
+        </p:txBody>
+      </p:sp>
+      <p:sp>
+        <p:nvSpPr>
+          <p:cNvPr id="58" name="Rounded Rectangle 57"/>
+          <p:cNvSpPr/>
+          <p:nvPr/>
+        </p:nvSpPr>
+        <p:spPr>
+          <a:xfrm>
+            <a:off x="6440894" y="2505934"/>
+            <a:ext cx="2194560" cy="548640"/>
+          </a:xfrm>
+          <a:prstGeom prst="roundRect">
+            <a:avLst/>
+          </a:prstGeom>
+          <a:solidFill>
+            <a:schemeClr val="accent4">
+              <a:lumMod val="40000"/>
+              <a:lumOff val="60000"/>
+            </a:schemeClr>
+          </a:solidFill>
+          <a:ln>
+            <a:solidFill>
+              <a:schemeClr val="tx1"/>
+            </a:solidFill>
+          </a:ln>
+        </p:spPr>
+        <p:style>
+          <a:lnRef idx="2">
+            <a:schemeClr val="accent1">
+              <a:shade val="50000"/>
+            </a:schemeClr>
+          </a:lnRef>
+          <a:fillRef idx="1">
+            <a:schemeClr val="accent1"/>
+          </a:fillRef>
+          <a:effectRef idx="0">
+            <a:schemeClr val="accent1"/>
+          </a:effectRef>
+          <a:fontRef idx="minor">
+            <a:schemeClr val="lt1"/>
+          </a:fontRef>
+        </p:style>
+        <p:txBody>
+          <a:bodyPr rtlCol="0" anchor="ctr"/>
+          <a:lstStyle/>
+          <a:p>
+            <a:pPr algn="ctr"/>
+            <a:r>
+              <a:rPr lang="en-US" dirty="0" smtClean="0">
+                <a:solidFill>
+                  <a:sysClr val="windowText" lastClr="000000"/>
+                </a:solidFill>
+              </a:rPr>
+              <a:t>Full Graph Hubs</a:t>
+            </a:r>
+            <a:endParaRPr lang="en-US" dirty="0">
+              <a:solidFill>
+                <a:sysClr val="windowText" lastClr="000000"/>
+              </a:solidFill>
+            </a:endParaRPr>
+          </a:p>
+        </p:txBody>
+      </p:sp>
+      <p:sp>
+        <p:nvSpPr>
+          <p:cNvPr id="62" name="Rectangle 61"/>
+          <p:cNvSpPr/>
+          <p:nvPr/>
+        </p:nvSpPr>
+        <p:spPr>
+          <a:xfrm>
+            <a:off x="563950" y="3611883"/>
+            <a:ext cx="1097280" cy="914400"/>
+          </a:xfrm>
+          <a:prstGeom prst="rect">
+            <a:avLst/>
+          </a:prstGeom>
+          <a:solidFill>
+            <a:srgbClr val="7030A0"/>
+          </a:solidFill>
+          <a:ln>
+            <a:solidFill>
+              <a:schemeClr val="tx1"/>
+            </a:solidFill>
+          </a:ln>
+        </p:spPr>
+        <p:style>
+          <a:lnRef idx="2">
+            <a:schemeClr val="accent1">
+              <a:shade val="50000"/>
+            </a:schemeClr>
+          </a:lnRef>
+          <a:fillRef idx="1">
+            <a:schemeClr val="accent1"/>
+          </a:fillRef>
+          <a:effectRef idx="0">
+            <a:schemeClr val="accent1"/>
+          </a:effectRef>
+          <a:fontRef idx="minor">
+            <a:schemeClr val="lt1"/>
+          </a:fontRef>
+        </p:style>
+        <p:txBody>
+          <a:bodyPr rtlCol="0" anchor="t"/>
+          <a:lstStyle/>
+          <a:p>
+            <a:r>
+              <a:rPr lang="en-US" dirty="0" smtClean="0">
+                <a:solidFill>
+                  <a:schemeClr val="bg1"/>
+                </a:solidFill>
+              </a:rPr>
+              <a:t>Research</a:t>
+            </a:r>
+          </a:p>
+          <a:p>
+            <a:r>
+              <a:rPr lang="en-US" dirty="0" smtClean="0">
+                <a:solidFill>
+                  <a:schemeClr val="bg1"/>
+                </a:solidFill>
+              </a:rPr>
+              <a:t>Total: 1</a:t>
+            </a:r>
+          </a:p>
+          <a:p>
+            <a:r>
+              <a:rPr lang="en-US" dirty="0" smtClean="0">
+                <a:solidFill>
+                  <a:schemeClr val="bg1"/>
+                </a:solidFill>
+              </a:rPr>
+              <a:t>Errors: 0</a:t>
+            </a:r>
+            <a:endParaRPr lang="en-US" dirty="0">
+              <a:solidFill>
+                <a:schemeClr val="bg1"/>
+              </a:solidFill>
+            </a:endParaRPr>
+          </a:p>
+        </p:txBody>
+      </p:sp>
+      <p:sp>
+        <p:nvSpPr>
+          <p:cNvPr id="63" name="Rectangle 62"/>
+          <p:cNvSpPr/>
+          <p:nvPr/>
+        </p:nvSpPr>
+        <p:spPr>
+          <a:xfrm>
+            <a:off x="1891116" y="3611883"/>
+            <a:ext cx="1097280" cy="914400"/>
+          </a:xfrm>
+          <a:prstGeom prst="rect">
+            <a:avLst/>
+          </a:prstGeom>
+          <a:solidFill>
+            <a:srgbClr val="7030A0"/>
+          </a:solidFill>
+          <a:ln>
+            <a:solidFill>
+              <a:schemeClr val="tx1"/>
+            </a:solidFill>
+          </a:ln>
+        </p:spPr>
+        <p:style>
+          <a:lnRef idx="2">
+            <a:schemeClr val="accent1">
+              <a:shade val="50000"/>
+            </a:schemeClr>
+          </a:lnRef>
+          <a:fillRef idx="1">
+            <a:schemeClr val="accent1"/>
+          </a:fillRef>
+          <a:effectRef idx="0">
+            <a:schemeClr val="accent1"/>
+          </a:effectRef>
+          <a:fontRef idx="minor">
+            <a:schemeClr val="lt1"/>
+          </a:fontRef>
+        </p:style>
+        <p:txBody>
+          <a:bodyPr rtlCol="0" anchor="t"/>
+          <a:lstStyle/>
+          <a:p>
+            <a:r>
+              <a:rPr lang="en-US" dirty="0" smtClean="0">
+                <a:solidFill>
+                  <a:schemeClr val="bg1"/>
+                </a:solidFill>
+              </a:rPr>
+              <a:t>Director</a:t>
+            </a:r>
+          </a:p>
+          <a:p>
+            <a:r>
+              <a:rPr lang="en-US" dirty="0" smtClean="0">
+                <a:solidFill>
+                  <a:schemeClr val="bg1"/>
+                </a:solidFill>
+              </a:rPr>
+              <a:t>Total: 2</a:t>
+            </a:r>
+          </a:p>
+          <a:p>
+            <a:r>
+              <a:rPr lang="en-US" dirty="0" smtClean="0">
+                <a:solidFill>
+                  <a:schemeClr val="bg1"/>
+                </a:solidFill>
+              </a:rPr>
+              <a:t>Errors: 1</a:t>
+            </a:r>
+            <a:endParaRPr lang="en-US" dirty="0">
+              <a:solidFill>
+                <a:schemeClr val="bg1"/>
+              </a:solidFill>
+            </a:endParaRPr>
+          </a:p>
+        </p:txBody>
+      </p:sp>
+      <p:sp>
+        <p:nvSpPr>
+          <p:cNvPr id="65" name="Rectangle 64"/>
+          <p:cNvSpPr/>
+          <p:nvPr/>
+        </p:nvSpPr>
+        <p:spPr>
+          <a:xfrm>
+            <a:off x="3262697" y="3611878"/>
+            <a:ext cx="1463040" cy="914400"/>
+          </a:xfrm>
+          <a:prstGeom prst="rect">
+            <a:avLst/>
+          </a:prstGeom>
+          <a:solidFill>
+            <a:srgbClr val="7030A0"/>
+          </a:solidFill>
+          <a:ln>
+            <a:solidFill>
+              <a:schemeClr val="tx1"/>
+            </a:solidFill>
+          </a:ln>
+        </p:spPr>
+        <p:style>
+          <a:lnRef idx="2">
+            <a:schemeClr val="accent1">
+              <a:shade val="50000"/>
+            </a:schemeClr>
+          </a:lnRef>
+          <a:fillRef idx="1">
+            <a:schemeClr val="accent1"/>
+          </a:fillRef>
+          <a:effectRef idx="0">
+            <a:schemeClr val="accent1"/>
+          </a:effectRef>
+          <a:fontRef idx="minor">
+            <a:schemeClr val="lt1"/>
+          </a:fontRef>
+        </p:style>
+        <p:txBody>
+          <a:bodyPr rtlCol="0" anchor="t"/>
+          <a:lstStyle/>
+          <a:p>
+            <a:r>
+              <a:rPr lang="en-US" dirty="0" err="1" smtClean="0">
+                <a:solidFill>
+                  <a:schemeClr val="bg1"/>
+                </a:solidFill>
+              </a:rPr>
+              <a:t>GradStudent</a:t>
+            </a:r>
+            <a:endParaRPr lang="en-US" dirty="0" smtClean="0">
+              <a:solidFill>
+                <a:schemeClr val="bg1"/>
+              </a:solidFill>
+            </a:endParaRPr>
+          </a:p>
+          <a:p>
+            <a:r>
+              <a:rPr lang="en-US" dirty="0" smtClean="0">
+                <a:solidFill>
+                  <a:schemeClr val="bg1"/>
+                </a:solidFill>
+              </a:rPr>
+              <a:t>Total: 21</a:t>
+            </a:r>
+          </a:p>
+          <a:p>
+            <a:r>
+              <a:rPr lang="en-US" dirty="0" smtClean="0">
+                <a:solidFill>
+                  <a:schemeClr val="bg1"/>
+                </a:solidFill>
+              </a:rPr>
+              <a:t>Errors: 1</a:t>
+            </a:r>
+            <a:endParaRPr lang="en-US" dirty="0">
+              <a:solidFill>
+                <a:schemeClr val="bg1"/>
+              </a:solidFill>
+            </a:endParaRPr>
+          </a:p>
+        </p:txBody>
+      </p:sp>
+      <p:sp>
+        <p:nvSpPr>
+          <p:cNvPr id="66" name="Rectangle 65"/>
+          <p:cNvSpPr/>
+          <p:nvPr/>
+        </p:nvSpPr>
+        <p:spPr>
+          <a:xfrm>
+            <a:off x="5000038" y="3611874"/>
+            <a:ext cx="1463040" cy="914400"/>
+          </a:xfrm>
+          <a:prstGeom prst="rect">
+            <a:avLst/>
+          </a:prstGeom>
+          <a:solidFill>
+            <a:srgbClr val="7030A0"/>
+          </a:solidFill>
+          <a:ln>
+            <a:solidFill>
+              <a:schemeClr val="tx1"/>
+            </a:solidFill>
+          </a:ln>
+        </p:spPr>
+        <p:style>
+          <a:lnRef idx="2">
+            <a:schemeClr val="accent1">
+              <a:shade val="50000"/>
+            </a:schemeClr>
+          </a:lnRef>
+          <a:fillRef idx="1">
+            <a:schemeClr val="accent1"/>
+          </a:fillRef>
+          <a:effectRef idx="0">
+            <a:schemeClr val="accent1"/>
+          </a:effectRef>
+          <a:fontRef idx="minor">
+            <a:schemeClr val="lt1"/>
+          </a:fontRef>
+        </p:style>
+        <p:txBody>
+          <a:bodyPr rtlCol="0" anchor="t"/>
+          <a:lstStyle/>
+          <a:p>
+            <a:r>
+              <a:rPr lang="en-US" dirty="0" err="1" smtClean="0">
+                <a:solidFill>
+                  <a:schemeClr val="bg1"/>
+                </a:solidFill>
+              </a:rPr>
+              <a:t>GradStudent</a:t>
+            </a:r>
+            <a:endParaRPr lang="en-US" dirty="0" smtClean="0">
+              <a:solidFill>
+                <a:schemeClr val="bg1"/>
+              </a:solidFill>
+            </a:endParaRPr>
+          </a:p>
+          <a:p>
+            <a:r>
+              <a:rPr lang="en-US" dirty="0" smtClean="0">
+                <a:solidFill>
+                  <a:schemeClr val="bg1"/>
+                </a:solidFill>
+              </a:rPr>
+              <a:t>Total: 17</a:t>
+            </a:r>
+          </a:p>
+          <a:p>
+            <a:r>
+              <a:rPr lang="en-US" dirty="0" smtClean="0">
+                <a:solidFill>
+                  <a:schemeClr val="bg1"/>
+                </a:solidFill>
+              </a:rPr>
+              <a:t>Errors: 6</a:t>
+            </a:r>
+            <a:endParaRPr lang="en-US" dirty="0">
+              <a:solidFill>
+                <a:schemeClr val="bg1"/>
+              </a:solidFill>
+            </a:endParaRPr>
+          </a:p>
+        </p:txBody>
+      </p:sp>
+      <p:sp>
+        <p:nvSpPr>
+          <p:cNvPr id="69" name="Rectangle 68"/>
+          <p:cNvSpPr/>
+          <p:nvPr/>
+        </p:nvSpPr>
+        <p:spPr>
+          <a:xfrm>
+            <a:off x="6724988" y="3611870"/>
+            <a:ext cx="1280160" cy="914400"/>
+          </a:xfrm>
+          <a:prstGeom prst="rect">
+            <a:avLst/>
+          </a:prstGeom>
+          <a:solidFill>
+            <a:srgbClr val="7030A0"/>
+          </a:solidFill>
+          <a:ln>
+            <a:solidFill>
+              <a:schemeClr val="tx1"/>
+            </a:solidFill>
+          </a:ln>
+        </p:spPr>
+        <p:style>
+          <a:lnRef idx="2">
+            <a:schemeClr val="accent1">
+              <a:shade val="50000"/>
+            </a:schemeClr>
+          </a:lnRef>
+          <a:fillRef idx="1">
+            <a:schemeClr val="accent1"/>
+          </a:fillRef>
+          <a:effectRef idx="0">
+            <a:schemeClr val="accent1"/>
+          </a:effectRef>
+          <a:fontRef idx="minor">
+            <a:schemeClr val="lt1"/>
+          </a:fontRef>
+        </p:style>
+        <p:txBody>
+          <a:bodyPr rtlCol="0" anchor="t"/>
+          <a:lstStyle/>
+          <a:p>
+            <a:r>
+              <a:rPr lang="en-US" dirty="0" smtClean="0">
+                <a:solidFill>
+                  <a:schemeClr val="bg1"/>
+                </a:solidFill>
+              </a:rPr>
+              <a:t>Research</a:t>
+            </a:r>
+          </a:p>
+          <a:p>
+            <a:r>
+              <a:rPr lang="en-US" dirty="0" smtClean="0">
+                <a:solidFill>
+                  <a:schemeClr val="bg1"/>
+                </a:solidFill>
+              </a:rPr>
+              <a:t>Total: 17</a:t>
+            </a:r>
+          </a:p>
+          <a:p>
+            <a:r>
+              <a:rPr lang="en-US" dirty="0" smtClean="0">
+                <a:solidFill>
+                  <a:schemeClr val="bg1"/>
+                </a:solidFill>
+              </a:rPr>
+              <a:t>Errors: 7</a:t>
+            </a:r>
+            <a:endParaRPr lang="en-US" dirty="0">
+              <a:solidFill>
+                <a:schemeClr val="bg1"/>
+              </a:solidFill>
+            </a:endParaRPr>
+          </a:p>
+        </p:txBody>
+      </p:sp>
+      <p:sp>
+        <p:nvSpPr>
+          <p:cNvPr id="70" name="Rectangle 69"/>
+          <p:cNvSpPr/>
+          <p:nvPr/>
+        </p:nvSpPr>
+        <p:spPr>
+          <a:xfrm>
+            <a:off x="8290524" y="3611870"/>
+            <a:ext cx="1097280" cy="914400"/>
+          </a:xfrm>
+          <a:prstGeom prst="rect">
+            <a:avLst/>
+          </a:prstGeom>
+          <a:solidFill>
+            <a:srgbClr val="7030A0"/>
+          </a:solidFill>
+          <a:ln>
+            <a:solidFill>
+              <a:schemeClr val="tx1"/>
+            </a:solidFill>
+          </a:ln>
+        </p:spPr>
+        <p:style>
+          <a:lnRef idx="2">
+            <a:schemeClr val="accent1">
+              <a:shade val="50000"/>
+            </a:schemeClr>
+          </a:lnRef>
+          <a:fillRef idx="1">
+            <a:schemeClr val="accent1"/>
+          </a:fillRef>
+          <a:effectRef idx="0">
+            <a:schemeClr val="accent1"/>
+          </a:effectRef>
+          <a:fontRef idx="minor">
+            <a:schemeClr val="lt1"/>
+          </a:fontRef>
+        </p:style>
+        <p:txBody>
+          <a:bodyPr rtlCol="0" anchor="t"/>
+          <a:lstStyle/>
+          <a:p>
+            <a:r>
+              <a:rPr lang="en-US" dirty="0" smtClean="0">
+                <a:solidFill>
+                  <a:schemeClr val="bg1"/>
+                </a:solidFill>
+              </a:rPr>
+              <a:t>Director</a:t>
+            </a:r>
+          </a:p>
+          <a:p>
+            <a:r>
+              <a:rPr lang="en-US" dirty="0" smtClean="0">
+                <a:solidFill>
+                  <a:schemeClr val="bg1"/>
+                </a:solidFill>
+              </a:rPr>
+              <a:t>Total: 3</a:t>
+            </a:r>
+          </a:p>
+          <a:p>
+            <a:r>
+              <a:rPr lang="en-US" dirty="0" smtClean="0">
+                <a:solidFill>
+                  <a:schemeClr val="bg1"/>
+                </a:solidFill>
+              </a:rPr>
+              <a:t>Errors: 0</a:t>
+            </a:r>
+            <a:endParaRPr lang="en-US" dirty="0">
+              <a:solidFill>
+                <a:schemeClr val="bg1"/>
+              </a:solidFill>
+            </a:endParaRPr>
+          </a:p>
+        </p:txBody>
+      </p:sp>
+      <p:sp>
+        <p:nvSpPr>
+          <p:cNvPr id="72" name="Rectangle 71"/>
+          <p:cNvSpPr/>
+          <p:nvPr/>
+        </p:nvSpPr>
+        <p:spPr>
+          <a:xfrm>
+            <a:off x="9662121" y="3611874"/>
+            <a:ext cx="1097280" cy="914400"/>
+          </a:xfrm>
+          <a:prstGeom prst="rect">
+            <a:avLst/>
+          </a:prstGeom>
+          <a:solidFill>
+            <a:srgbClr val="7030A0"/>
+          </a:solidFill>
+          <a:ln>
+            <a:solidFill>
+              <a:schemeClr val="tx1"/>
+            </a:solidFill>
+          </a:ln>
+        </p:spPr>
+        <p:style>
+          <a:lnRef idx="2">
+            <a:schemeClr val="accent1">
+              <a:shade val="50000"/>
+            </a:schemeClr>
+          </a:lnRef>
+          <a:fillRef idx="1">
+            <a:schemeClr val="accent1"/>
+          </a:fillRef>
+          <a:effectRef idx="0">
+            <a:schemeClr val="accent1"/>
+          </a:effectRef>
+          <a:fontRef idx="minor">
+            <a:schemeClr val="lt1"/>
+          </a:fontRef>
+        </p:style>
+        <p:txBody>
+          <a:bodyPr rtlCol="0" anchor="t"/>
+          <a:lstStyle/>
+          <a:p>
+            <a:r>
+              <a:rPr lang="en-US" dirty="0" smtClean="0">
+                <a:solidFill>
+                  <a:schemeClr val="bg1"/>
+                </a:solidFill>
+              </a:rPr>
+              <a:t>Director</a:t>
+            </a:r>
+          </a:p>
+          <a:p>
+            <a:r>
+              <a:rPr lang="en-US" dirty="0" smtClean="0">
+                <a:solidFill>
+                  <a:schemeClr val="bg1"/>
+                </a:solidFill>
+              </a:rPr>
+              <a:t>Total: 2</a:t>
+            </a:r>
+          </a:p>
+          <a:p>
+            <a:r>
+              <a:rPr lang="en-US" dirty="0" smtClean="0">
+                <a:solidFill>
+                  <a:schemeClr val="bg1"/>
+                </a:solidFill>
+              </a:rPr>
+              <a:t>Errors: 1</a:t>
+            </a:r>
+            <a:endParaRPr lang="en-US" dirty="0">
+              <a:solidFill>
+                <a:schemeClr val="bg1"/>
+              </a:solidFill>
+            </a:endParaRPr>
+          </a:p>
+        </p:txBody>
+      </p:sp>
+      <p:sp>
+        <p:nvSpPr>
+          <p:cNvPr id="73" name="Rounded Rectangle 72"/>
+          <p:cNvSpPr/>
+          <p:nvPr/>
+        </p:nvSpPr>
+        <p:spPr>
+          <a:xfrm>
+            <a:off x="4736808" y="320070"/>
+            <a:ext cx="2194560" cy="548640"/>
+          </a:xfrm>
+          <a:prstGeom prst="roundRect">
+            <a:avLst/>
+          </a:prstGeom>
+          <a:solidFill>
+            <a:schemeClr val="accent4">
+              <a:lumMod val="40000"/>
+              <a:lumOff val="60000"/>
+            </a:schemeClr>
+          </a:solidFill>
+          <a:ln>
+            <a:solidFill>
+              <a:schemeClr val="tx1"/>
+            </a:solidFill>
+          </a:ln>
+        </p:spPr>
+        <p:style>
+          <a:lnRef idx="2">
+            <a:schemeClr val="accent1">
+              <a:shade val="50000"/>
+            </a:schemeClr>
+          </a:lnRef>
+          <a:fillRef idx="1">
+            <a:schemeClr val="accent1"/>
+          </a:fillRef>
+          <a:effectRef idx="0">
+            <a:schemeClr val="accent1"/>
+          </a:effectRef>
+          <a:fontRef idx="minor">
+            <a:schemeClr val="lt1"/>
+          </a:fontRef>
+        </p:style>
+        <p:txBody>
+          <a:bodyPr rtlCol="0" anchor="ctr"/>
+          <a:lstStyle/>
+          <a:p>
+            <a:pPr algn="ctr"/>
+            <a:r>
+              <a:rPr lang="en-US" dirty="0" smtClean="0">
+                <a:solidFill>
+                  <a:sysClr val="windowText" lastClr="000000"/>
+                </a:solidFill>
+              </a:rPr>
+              <a:t>Partial Graph</a:t>
+            </a:r>
+          </a:p>
+          <a:p>
+            <a:pPr algn="ctr"/>
+            <a:r>
+              <a:rPr lang="en-US" dirty="0" smtClean="0">
+                <a:solidFill>
+                  <a:sysClr val="windowText" lastClr="000000"/>
+                </a:solidFill>
+              </a:rPr>
+              <a:t>Authorities</a:t>
+            </a:r>
+            <a:endParaRPr lang="en-US" dirty="0">
+              <a:solidFill>
+                <a:sysClr val="windowText" lastClr="000000"/>
+              </a:solidFill>
+            </a:endParaRPr>
+          </a:p>
+        </p:txBody>
+      </p:sp>
+      <p:sp>
+        <p:nvSpPr>
+          <p:cNvPr id="75" name="Rounded Rectangle 74"/>
+          <p:cNvSpPr/>
+          <p:nvPr/>
+        </p:nvSpPr>
+        <p:spPr>
+          <a:xfrm>
+            <a:off x="2999467" y="1417338"/>
+            <a:ext cx="2194560" cy="548640"/>
+          </a:xfrm>
+          <a:prstGeom prst="roundRect">
+            <a:avLst/>
+          </a:prstGeom>
+          <a:solidFill>
+            <a:schemeClr val="accent4">
+              <a:lumMod val="40000"/>
+              <a:lumOff val="60000"/>
+            </a:schemeClr>
+          </a:solidFill>
+          <a:ln>
+            <a:solidFill>
+              <a:schemeClr val="tx1"/>
+            </a:solidFill>
+          </a:ln>
+        </p:spPr>
+        <p:style>
+          <a:lnRef idx="2">
+            <a:schemeClr val="accent1">
+              <a:shade val="50000"/>
+            </a:schemeClr>
+          </a:lnRef>
+          <a:fillRef idx="1">
+            <a:schemeClr val="accent1"/>
+          </a:fillRef>
+          <a:effectRef idx="0">
+            <a:schemeClr val="accent1"/>
+          </a:effectRef>
+          <a:fontRef idx="minor">
+            <a:schemeClr val="lt1"/>
+          </a:fontRef>
+        </p:style>
+        <p:txBody>
+          <a:bodyPr rtlCol="0" anchor="ctr"/>
+          <a:lstStyle/>
+          <a:p>
+            <a:pPr algn="ctr"/>
+            <a:r>
+              <a:rPr lang="en-US" dirty="0" smtClean="0">
+                <a:solidFill>
+                  <a:sysClr val="windowText" lastClr="000000"/>
+                </a:solidFill>
+              </a:rPr>
+              <a:t>Percentage of emails sent after hours</a:t>
+            </a:r>
+            <a:endParaRPr lang="en-US" dirty="0">
+              <a:solidFill>
+                <a:sysClr val="windowText" lastClr="000000"/>
+              </a:solidFill>
+            </a:endParaRPr>
+          </a:p>
+        </p:txBody>
+      </p:sp>
+      <p:sp>
+        <p:nvSpPr>
+          <p:cNvPr id="76" name="Rounded Rectangle 75"/>
+          <p:cNvSpPr/>
+          <p:nvPr/>
+        </p:nvSpPr>
+        <p:spPr>
+          <a:xfrm>
+            <a:off x="6474125" y="1417338"/>
+            <a:ext cx="2194560" cy="548640"/>
+          </a:xfrm>
+          <a:prstGeom prst="roundRect">
+            <a:avLst/>
+          </a:prstGeom>
+          <a:solidFill>
+            <a:schemeClr val="accent4">
+              <a:lumMod val="40000"/>
+              <a:lumOff val="60000"/>
+            </a:schemeClr>
+          </a:solidFill>
+          <a:ln>
+            <a:solidFill>
+              <a:schemeClr val="tx1"/>
+            </a:solidFill>
+          </a:ln>
+        </p:spPr>
+        <p:style>
+          <a:lnRef idx="2">
+            <a:schemeClr val="accent1">
+              <a:shade val="50000"/>
+            </a:schemeClr>
+          </a:lnRef>
+          <a:fillRef idx="1">
+            <a:schemeClr val="accent1"/>
+          </a:fillRef>
+          <a:effectRef idx="0">
+            <a:schemeClr val="accent1"/>
+          </a:effectRef>
+          <a:fontRef idx="minor">
+            <a:schemeClr val="lt1"/>
+          </a:fontRef>
+        </p:style>
+        <p:txBody>
+          <a:bodyPr rtlCol="0" anchor="ctr"/>
+          <a:lstStyle/>
+          <a:p>
+            <a:pPr algn="ctr"/>
+            <a:r>
+              <a:rPr lang="en-US" dirty="0" smtClean="0">
+                <a:solidFill>
+                  <a:sysClr val="windowText" lastClr="000000"/>
+                </a:solidFill>
+              </a:rPr>
+              <a:t>Sent Forward Percentage</a:t>
+            </a:r>
+            <a:endParaRPr lang="en-US" dirty="0">
+              <a:solidFill>
+                <a:sysClr val="windowText" lastClr="000000"/>
+              </a:solidFill>
+            </a:endParaRPr>
+          </a:p>
+        </p:txBody>
+      </p:sp>
+      <p:sp>
+        <p:nvSpPr>
+          <p:cNvPr id="77" name="Rounded Rectangle 76"/>
+          <p:cNvSpPr/>
+          <p:nvPr/>
+        </p:nvSpPr>
+        <p:spPr>
+          <a:xfrm>
+            <a:off x="1262102" y="2514606"/>
+            <a:ext cx="2194560" cy="548640"/>
+          </a:xfrm>
+          <a:prstGeom prst="roundRect">
+            <a:avLst/>
+          </a:prstGeom>
+          <a:solidFill>
+            <a:schemeClr val="accent4">
+              <a:lumMod val="40000"/>
+              <a:lumOff val="60000"/>
+            </a:schemeClr>
+          </a:solidFill>
+          <a:ln>
+            <a:solidFill>
+              <a:schemeClr val="tx1"/>
+            </a:solidFill>
+          </a:ln>
+        </p:spPr>
+        <p:style>
+          <a:lnRef idx="2">
+            <a:schemeClr val="accent1">
+              <a:shade val="50000"/>
+            </a:schemeClr>
+          </a:lnRef>
+          <a:fillRef idx="1">
+            <a:schemeClr val="accent1"/>
+          </a:fillRef>
+          <a:effectRef idx="0">
+            <a:schemeClr val="accent1"/>
+          </a:effectRef>
+          <a:fontRef idx="minor">
+            <a:schemeClr val="lt1"/>
+          </a:fontRef>
+        </p:style>
+        <p:txBody>
+          <a:bodyPr rtlCol="0" anchor="ctr"/>
+          <a:lstStyle/>
+          <a:p>
+            <a:pPr algn="ctr"/>
+            <a:r>
+              <a:rPr lang="en-US" dirty="0" smtClean="0">
+                <a:solidFill>
+                  <a:sysClr val="windowText" lastClr="000000"/>
+                </a:solidFill>
+              </a:rPr>
+              <a:t>Unique Subjects Received</a:t>
+            </a:r>
+            <a:endParaRPr lang="en-US" dirty="0">
+              <a:solidFill>
+                <a:sysClr val="windowText" lastClr="000000"/>
+              </a:solidFill>
+            </a:endParaRPr>
+          </a:p>
+        </p:txBody>
+      </p:sp>
+      <p:sp>
+        <p:nvSpPr>
+          <p:cNvPr id="83" name="Rounded Rectangle 82"/>
+          <p:cNvSpPr/>
+          <p:nvPr/>
+        </p:nvSpPr>
+        <p:spPr>
+          <a:xfrm>
+            <a:off x="4005272" y="2514606"/>
+            <a:ext cx="2194560" cy="548640"/>
+          </a:xfrm>
+          <a:prstGeom prst="roundRect">
+            <a:avLst/>
+          </a:prstGeom>
+          <a:solidFill>
+            <a:schemeClr val="accent4">
+              <a:lumMod val="40000"/>
+              <a:lumOff val="60000"/>
+            </a:schemeClr>
+          </a:solidFill>
+          <a:ln>
+            <a:solidFill>
+              <a:schemeClr val="tx1"/>
+            </a:solidFill>
+          </a:ln>
+        </p:spPr>
+        <p:style>
+          <a:lnRef idx="2">
+            <a:schemeClr val="accent1">
+              <a:shade val="50000"/>
+            </a:schemeClr>
+          </a:lnRef>
+          <a:fillRef idx="1">
+            <a:schemeClr val="accent1"/>
+          </a:fillRef>
+          <a:effectRef idx="0">
+            <a:schemeClr val="accent1"/>
+          </a:effectRef>
+          <a:fontRef idx="minor">
+            <a:schemeClr val="lt1"/>
+          </a:fontRef>
+        </p:style>
+        <p:txBody>
+          <a:bodyPr rtlCol="0" anchor="ctr"/>
+          <a:lstStyle/>
+          <a:p>
+            <a:pPr algn="ctr"/>
+            <a:r>
+              <a:rPr lang="en-US" dirty="0" smtClean="0">
+                <a:solidFill>
+                  <a:sysClr val="windowText" lastClr="000000"/>
+                </a:solidFill>
+              </a:rPr>
+              <a:t>Average Emails </a:t>
+            </a:r>
+          </a:p>
+          <a:p>
+            <a:pPr algn="ctr"/>
+            <a:r>
+              <a:rPr lang="en-US" dirty="0" smtClean="0">
+                <a:solidFill>
+                  <a:sysClr val="windowText" lastClr="000000"/>
+                </a:solidFill>
+              </a:rPr>
+              <a:t>Per Day</a:t>
+            </a:r>
+            <a:endParaRPr lang="en-US" dirty="0">
+              <a:solidFill>
+                <a:sysClr val="windowText" lastClr="000000"/>
+              </a:solidFill>
+            </a:endParaRPr>
+          </a:p>
+        </p:txBody>
+      </p:sp>
+      <p:sp>
+        <p:nvSpPr>
+          <p:cNvPr id="84" name="Rounded Rectangle 83"/>
+          <p:cNvSpPr/>
+          <p:nvPr/>
+        </p:nvSpPr>
+        <p:spPr>
+          <a:xfrm>
+            <a:off x="6440894" y="2505930"/>
+            <a:ext cx="2194560" cy="548640"/>
+          </a:xfrm>
+          <a:prstGeom prst="roundRect">
+            <a:avLst/>
+          </a:prstGeom>
+          <a:solidFill>
+            <a:schemeClr val="accent4">
+              <a:lumMod val="40000"/>
+              <a:lumOff val="60000"/>
+            </a:schemeClr>
+          </a:solidFill>
+          <a:ln>
+            <a:solidFill>
+              <a:schemeClr val="tx1"/>
+            </a:solidFill>
+          </a:ln>
+        </p:spPr>
+        <p:style>
+          <a:lnRef idx="2">
+            <a:schemeClr val="accent1">
+              <a:shade val="50000"/>
+            </a:schemeClr>
+          </a:lnRef>
+          <a:fillRef idx="1">
+            <a:schemeClr val="accent1"/>
+          </a:fillRef>
+          <a:effectRef idx="0">
+            <a:schemeClr val="accent1"/>
+          </a:effectRef>
+          <a:fontRef idx="minor">
+            <a:schemeClr val="lt1"/>
+          </a:fontRef>
+        </p:style>
+        <p:txBody>
+          <a:bodyPr rtlCol="0" anchor="ctr"/>
+          <a:lstStyle/>
+          <a:p>
+            <a:pPr algn="ctr"/>
+            <a:r>
+              <a:rPr lang="en-US" dirty="0" smtClean="0">
+                <a:solidFill>
+                  <a:sysClr val="windowText" lastClr="000000"/>
+                </a:solidFill>
+              </a:rPr>
+              <a:t>Full Graph Hubs</a:t>
+            </a:r>
+            <a:endParaRPr lang="en-US" dirty="0">
+              <a:solidFill>
+                <a:sysClr val="windowText" lastClr="000000"/>
+              </a:solidFill>
+            </a:endParaRPr>
+          </a:p>
+        </p:txBody>
+      </p:sp>
+      <p:sp>
+        <p:nvSpPr>
+          <p:cNvPr id="85" name="Rectangle 84"/>
+          <p:cNvSpPr/>
+          <p:nvPr/>
+        </p:nvSpPr>
+        <p:spPr>
+          <a:xfrm>
+            <a:off x="563950" y="3611879"/>
+            <a:ext cx="1097280" cy="914400"/>
+          </a:xfrm>
+          <a:prstGeom prst="rect">
+            <a:avLst/>
+          </a:prstGeom>
+          <a:solidFill>
+            <a:srgbClr val="7030A0"/>
+          </a:solidFill>
+          <a:ln>
+            <a:solidFill>
+              <a:schemeClr val="tx1"/>
+            </a:solidFill>
+          </a:ln>
+        </p:spPr>
+        <p:style>
+          <a:lnRef idx="2">
+            <a:schemeClr val="accent1">
+              <a:shade val="50000"/>
+            </a:schemeClr>
+          </a:lnRef>
+          <a:fillRef idx="1">
+            <a:schemeClr val="accent1"/>
+          </a:fillRef>
+          <a:effectRef idx="0">
+            <a:schemeClr val="accent1"/>
+          </a:effectRef>
+          <a:fontRef idx="minor">
+            <a:schemeClr val="lt1"/>
+          </a:fontRef>
+        </p:style>
+        <p:txBody>
+          <a:bodyPr rtlCol="0" anchor="t"/>
+          <a:lstStyle/>
+          <a:p>
+            <a:r>
+              <a:rPr lang="en-US" dirty="0" smtClean="0">
+                <a:solidFill>
+                  <a:schemeClr val="bg1"/>
+                </a:solidFill>
+              </a:rPr>
+              <a:t>Research</a:t>
+            </a:r>
+          </a:p>
+          <a:p>
+            <a:r>
+              <a:rPr lang="en-US" dirty="0" smtClean="0">
+                <a:solidFill>
+                  <a:schemeClr val="bg1"/>
+                </a:solidFill>
+              </a:rPr>
+              <a:t>Total: 1</a:t>
+            </a:r>
+          </a:p>
+          <a:p>
+            <a:r>
+              <a:rPr lang="en-US" dirty="0" smtClean="0">
+                <a:solidFill>
+                  <a:schemeClr val="bg1"/>
+                </a:solidFill>
+              </a:rPr>
+              <a:t>Errors: 0</a:t>
+            </a:r>
+            <a:endParaRPr lang="en-US" dirty="0">
+              <a:solidFill>
+                <a:schemeClr val="bg1"/>
+              </a:solidFill>
+            </a:endParaRPr>
+          </a:p>
+        </p:txBody>
+      </p:sp>
+      <p:sp>
+        <p:nvSpPr>
+          <p:cNvPr id="86" name="Rectangle 85"/>
+          <p:cNvSpPr/>
+          <p:nvPr/>
+        </p:nvSpPr>
+        <p:spPr>
+          <a:xfrm>
+            <a:off x="1891116" y="3611879"/>
+            <a:ext cx="1097280" cy="914400"/>
+          </a:xfrm>
+          <a:prstGeom prst="rect">
+            <a:avLst/>
+          </a:prstGeom>
+          <a:solidFill>
+            <a:srgbClr val="7030A0"/>
+          </a:solidFill>
+          <a:ln>
+            <a:solidFill>
+              <a:schemeClr val="tx1"/>
+            </a:solidFill>
+          </a:ln>
+        </p:spPr>
+        <p:style>
+          <a:lnRef idx="2">
+            <a:schemeClr val="accent1">
+              <a:shade val="50000"/>
+            </a:schemeClr>
+          </a:lnRef>
+          <a:fillRef idx="1">
+            <a:schemeClr val="accent1"/>
+          </a:fillRef>
+          <a:effectRef idx="0">
+            <a:schemeClr val="accent1"/>
+          </a:effectRef>
+          <a:fontRef idx="minor">
+            <a:schemeClr val="lt1"/>
+          </a:fontRef>
+        </p:style>
+        <p:txBody>
+          <a:bodyPr rtlCol="0" anchor="t"/>
+          <a:lstStyle/>
+          <a:p>
+            <a:r>
+              <a:rPr lang="en-US" dirty="0" smtClean="0">
+                <a:solidFill>
+                  <a:schemeClr val="bg1"/>
+                </a:solidFill>
+              </a:rPr>
+              <a:t>Director</a:t>
+            </a:r>
+          </a:p>
+          <a:p>
+            <a:r>
+              <a:rPr lang="en-US" dirty="0" smtClean="0">
+                <a:solidFill>
+                  <a:schemeClr val="bg1"/>
+                </a:solidFill>
+              </a:rPr>
+              <a:t>Total: 2</a:t>
+            </a:r>
+          </a:p>
+          <a:p>
+            <a:r>
+              <a:rPr lang="en-US" dirty="0" smtClean="0">
+                <a:solidFill>
+                  <a:schemeClr val="bg1"/>
+                </a:solidFill>
+              </a:rPr>
+              <a:t>Errors: 1</a:t>
+            </a:r>
+            <a:endParaRPr lang="en-US" dirty="0">
+              <a:solidFill>
+                <a:schemeClr val="bg1"/>
+              </a:solidFill>
+            </a:endParaRPr>
+          </a:p>
+        </p:txBody>
+      </p:sp>
+      <p:sp>
+        <p:nvSpPr>
+          <p:cNvPr id="87" name="Rectangle 86"/>
+          <p:cNvSpPr/>
+          <p:nvPr/>
+        </p:nvSpPr>
+        <p:spPr>
+          <a:xfrm>
+            <a:off x="3262697" y="3611874"/>
+            <a:ext cx="1463040" cy="914400"/>
+          </a:xfrm>
+          <a:prstGeom prst="rect">
+            <a:avLst/>
+          </a:prstGeom>
+          <a:solidFill>
+            <a:srgbClr val="7030A0"/>
+          </a:solidFill>
+          <a:ln>
+            <a:solidFill>
+              <a:schemeClr val="tx1"/>
+            </a:solidFill>
+          </a:ln>
+        </p:spPr>
+        <p:style>
+          <a:lnRef idx="2">
+            <a:schemeClr val="accent1">
+              <a:shade val="50000"/>
+            </a:schemeClr>
+          </a:lnRef>
+          <a:fillRef idx="1">
+            <a:schemeClr val="accent1"/>
+          </a:fillRef>
+          <a:effectRef idx="0">
+            <a:schemeClr val="accent1"/>
+          </a:effectRef>
+          <a:fontRef idx="minor">
+            <a:schemeClr val="lt1"/>
+          </a:fontRef>
+        </p:style>
+        <p:txBody>
+          <a:bodyPr rtlCol="0" anchor="t"/>
+          <a:lstStyle/>
+          <a:p>
+            <a:r>
+              <a:rPr lang="en-US" dirty="0" err="1" smtClean="0">
+                <a:solidFill>
+                  <a:schemeClr val="bg1"/>
+                </a:solidFill>
+              </a:rPr>
+              <a:t>GradStudent</a:t>
+            </a:r>
+            <a:endParaRPr lang="en-US" dirty="0" smtClean="0">
+              <a:solidFill>
+                <a:schemeClr val="bg1"/>
+              </a:solidFill>
+            </a:endParaRPr>
+          </a:p>
+          <a:p>
+            <a:r>
+              <a:rPr lang="en-US" dirty="0" smtClean="0">
+                <a:solidFill>
+                  <a:schemeClr val="bg1"/>
+                </a:solidFill>
+              </a:rPr>
+              <a:t>Total: 21</a:t>
+            </a:r>
+          </a:p>
+          <a:p>
+            <a:r>
+              <a:rPr lang="en-US" dirty="0" smtClean="0">
+                <a:solidFill>
+                  <a:schemeClr val="bg1"/>
+                </a:solidFill>
+              </a:rPr>
+              <a:t>Errors: 1</a:t>
+            </a:r>
+            <a:endParaRPr lang="en-US" dirty="0">
+              <a:solidFill>
+                <a:schemeClr val="bg1"/>
+              </a:solidFill>
+            </a:endParaRPr>
+          </a:p>
+        </p:txBody>
+      </p:sp>
+      <p:sp>
+        <p:nvSpPr>
+          <p:cNvPr id="88" name="Rectangle 87"/>
+          <p:cNvSpPr/>
+          <p:nvPr/>
+        </p:nvSpPr>
+        <p:spPr>
+          <a:xfrm>
+            <a:off x="5000038" y="3611870"/>
+            <a:ext cx="1463040" cy="914400"/>
+          </a:xfrm>
+          <a:prstGeom prst="rect">
+            <a:avLst/>
+          </a:prstGeom>
+          <a:solidFill>
+            <a:srgbClr val="7030A0"/>
+          </a:solidFill>
+          <a:ln>
+            <a:solidFill>
+              <a:schemeClr val="tx1"/>
+            </a:solidFill>
+          </a:ln>
+        </p:spPr>
+        <p:style>
+          <a:lnRef idx="2">
+            <a:schemeClr val="accent1">
+              <a:shade val="50000"/>
+            </a:schemeClr>
+          </a:lnRef>
+          <a:fillRef idx="1">
+            <a:schemeClr val="accent1"/>
+          </a:fillRef>
+          <a:effectRef idx="0">
+            <a:schemeClr val="accent1"/>
+          </a:effectRef>
+          <a:fontRef idx="minor">
+            <a:schemeClr val="lt1"/>
+          </a:fontRef>
+        </p:style>
+        <p:txBody>
+          <a:bodyPr rtlCol="0" anchor="t"/>
+          <a:lstStyle/>
+          <a:p>
+            <a:r>
+              <a:rPr lang="en-US" dirty="0" err="1" smtClean="0">
+                <a:solidFill>
+                  <a:schemeClr val="bg1"/>
+                </a:solidFill>
+              </a:rPr>
+              <a:t>GradStudent</a:t>
+            </a:r>
+            <a:endParaRPr lang="en-US" dirty="0" smtClean="0">
+              <a:solidFill>
+                <a:schemeClr val="bg1"/>
+              </a:solidFill>
+            </a:endParaRPr>
+          </a:p>
+          <a:p>
+            <a:r>
+              <a:rPr lang="en-US" dirty="0" smtClean="0">
+                <a:solidFill>
+                  <a:schemeClr val="bg1"/>
+                </a:solidFill>
+              </a:rPr>
+              <a:t>Total: 17</a:t>
+            </a:r>
+          </a:p>
+          <a:p>
+            <a:r>
+              <a:rPr lang="en-US" dirty="0" smtClean="0">
+                <a:solidFill>
+                  <a:schemeClr val="bg1"/>
+                </a:solidFill>
+              </a:rPr>
+              <a:t>Errors: 6</a:t>
+            </a:r>
+            <a:endParaRPr lang="en-US" dirty="0">
+              <a:solidFill>
+                <a:schemeClr val="bg1"/>
+              </a:solidFill>
+            </a:endParaRPr>
+          </a:p>
+        </p:txBody>
+      </p:sp>
+    </p:spTree>
+    <p:extLst>
+      <p:ext uri="{BB962C8B-B14F-4D97-AF65-F5344CB8AC3E}">
+        <p14:creationId xmlns:p14="http://schemas.microsoft.com/office/powerpoint/2010/main" val="1259473819"/>
+      </p:ext>
+    </p:extLst>
+  </p:cSld>
+  <p:clrMapOvr>
+    <a:masterClrMapping/>
+  </p:clrMapOvr>
+</p:sld>
+</file>
+
+<file path=ppt/slides/slide4.xml><?xml version="1.0" encoding="utf-8"?>
+<p:sld xmlns:a="http://schemas.openxmlformats.org/drawingml/2006/main" xmlns:r="http://schemas.openxmlformats.org/officeDocument/2006/relationships" xmlns:p="http://schemas.openxmlformats.org/presentationml/2006/main">
+  <p:cSld>
+    <p:spTree>
+      <p:nvGrpSpPr>
+        <p:cNvPr id="1" name=""/>
+        <p:cNvGrpSpPr/>
+        <p:nvPr/>
+      </p:nvGrpSpPr>
+      <p:grpSpPr>
+        <a:xfrm>
+          <a:off x="0" y="0"/>
+          <a:ext cx="0" cy="0"/>
+          <a:chOff x="0" y="0"/>
+          <a:chExt cx="0" cy="0"/>
+        </a:xfrm>
+      </p:grpSpPr>
       <p:pic>
         <p:nvPicPr>
           <p:cNvPr id="4" name="Picture 3"/>
